--- a/Predictors of Pregnancy Risk Powerpoint.pptx
+++ b/Predictors of Pregnancy Risk Powerpoint.pptx
@@ -7,7 +7,7 @@
   <p:sldIdLst>
     <p:sldId id="256" r:id="rId2"/>
     <p:sldId id="257" r:id="rId3"/>
-    <p:sldId id="259" r:id="rId4"/>
+    <p:sldId id="274" r:id="rId4"/>
     <p:sldId id="260" r:id="rId5"/>
     <p:sldId id="262" r:id="rId6"/>
     <p:sldId id="264" r:id="rId7"/>
@@ -117,6 +117,11 @@
       </a:defRPr>
     </a:lvl9pPr>
   </p:defaultTextStyle>
+  <p:extLst>
+    <p:ext uri="{EFAFB233-063F-42B5-8137-9DF3F51BA10A}">
+      <p15:sldGuideLst xmlns:p15="http://schemas.microsoft.com/office/powerpoint/2012/main"/>
+    </p:ext>
+  </p:extLst>
 </p:presentation>
 </file>
 
@@ -364,7 +369,7 @@
           <a:p>
             <a:fld id="{9184DA70-C731-4C70-880D-CCD4705E623C}" type="datetime1">
               <a:rPr lang="en-US" smtClean="0"/>
-              <a:t>3/11/2024</a:t>
+              <a:t>3/12/2024</a:t>
             </a:fld>
             <a:endParaRPr lang="en-US" dirty="0"/>
           </a:p>
@@ -552,7 +557,7 @@
           <a:p>
             <a:fld id="{B612A279-0833-481D-8C56-F67FD0AC6C50}" type="datetime1">
               <a:rPr lang="en-US" smtClean="0"/>
-              <a:t>3/11/2024</a:t>
+              <a:t>3/12/2024</a:t>
             </a:fld>
             <a:endParaRPr lang="en-US" dirty="0"/>
           </a:p>
@@ -794,7 +799,7 @@
           <a:p>
             <a:fld id="{6587DA83-5663-4C9C-B9AA-0B40A3DAFF81}" type="datetime1">
               <a:rPr lang="en-US" smtClean="0"/>
-              <a:t>3/11/2024</a:t>
+              <a:t>3/12/2024</a:t>
             </a:fld>
             <a:endParaRPr lang="en-US" dirty="0"/>
           </a:p>
@@ -982,7 +987,7 @@
           <a:p>
             <a:fld id="{4BE1D723-8F53-4F53-90B0-1982A396982E}" type="datetime1">
               <a:rPr lang="en-US" smtClean="0"/>
-              <a:t>3/11/2024</a:t>
+              <a:t>3/12/2024</a:t>
             </a:fld>
             <a:endParaRPr lang="en-US" dirty="0"/>
           </a:p>
@@ -1355,7 +1360,7 @@
           <a:p>
             <a:fld id="{97669AF7-7BEB-44E4-9852-375E34362B5B}" type="datetime1">
               <a:rPr lang="en-US" smtClean="0"/>
-              <a:t>3/11/2024</a:t>
+              <a:t>3/12/2024</a:t>
             </a:fld>
             <a:endParaRPr lang="en-US" dirty="0"/>
           </a:p>
@@ -1610,7 +1615,7 @@
           <a:p>
             <a:fld id="{BAAAC38D-0552-4C82-B593-E6124DFADBE2}" type="datetime1">
               <a:rPr lang="en-US" smtClean="0"/>
-              <a:t>3/11/2024</a:t>
+              <a:t>3/12/2024</a:t>
             </a:fld>
             <a:endParaRPr lang="en-US" dirty="0"/>
           </a:p>
@@ -2007,7 +2012,7 @@
           <a:p>
             <a:fld id="{D9DF0F1C-5577-4ACB-BB62-DF8F3C494C7E}" type="datetime1">
               <a:rPr lang="en-US" smtClean="0"/>
-              <a:t>3/11/2024</a:t>
+              <a:t>3/12/2024</a:t>
             </a:fld>
             <a:endParaRPr lang="en-US" dirty="0"/>
           </a:p>
@@ -2143,7 +2148,7 @@
           <a:p>
             <a:fld id="{1775B394-D9F9-4F0C-B15D-605F45CB9E9F}" type="datetime1">
               <a:rPr lang="en-US" smtClean="0"/>
-              <a:t>3/11/2024</a:t>
+              <a:t>3/12/2024</a:t>
             </a:fld>
             <a:endParaRPr lang="en-US" dirty="0"/>
           </a:p>
@@ -2300,7 +2305,7 @@
           <a:p>
             <a:fld id="{39667345-2558-425A-8533-9BFDBCE15005}" type="datetime1">
               <a:rPr lang="en-US" smtClean="0"/>
-              <a:t>3/11/2024</a:t>
+              <a:t>3/12/2024</a:t>
             </a:fld>
             <a:endParaRPr lang="en-US" dirty="0"/>
           </a:p>
@@ -2629,7 +2634,7 @@
           <a:p>
             <a:fld id="{92BEA474-078D-4E9B-9B14-09A87B19DC46}" type="datetime1">
               <a:rPr lang="en-US" smtClean="0"/>
-              <a:t>3/11/2024</a:t>
+              <a:t>3/12/2024</a:t>
             </a:fld>
             <a:endParaRPr lang="en-US" dirty="0"/>
           </a:p>
@@ -2979,7 +2984,7 @@
           <a:p>
             <a:fld id="{4907D986-8816-4272-A432-0437A28A9828}" type="datetime1">
               <a:rPr lang="en-US" smtClean="0"/>
-              <a:t>3/11/2024</a:t>
+              <a:t>3/12/2024</a:t>
             </a:fld>
             <a:endParaRPr lang="en-US" dirty="0"/>
           </a:p>
@@ -3240,7 +3245,7 @@
           <a:p>
             <a:fld id="{62D6E202-B606-4609-B914-27C9371A1F6D}" type="datetime1">
               <a:rPr lang="en-US" smtClean="0"/>
-              <a:t>3/11/2024</a:t>
+              <a:t>3/12/2024</a:t>
             </a:fld>
             <a:endParaRPr lang="en-US" dirty="0"/>
           </a:p>
@@ -4281,7 +4286,7 @@
         </p:nvSpPr>
         <p:spPr>
           <a:xfrm>
-            <a:off x="1097280" y="1925322"/>
+            <a:off x="1097280" y="1957977"/>
             <a:ext cx="10058400" cy="2820214"/>
           </a:xfrm>
           <a:solidFill>
@@ -4337,6 +4342,11 @@
           <a:prstGeom prst="rect">
             <a:avLst/>
           </a:prstGeom>
+          <a:ln>
+            <a:solidFill>
+              <a:schemeClr val="tx1"/>
+            </a:solidFill>
+          </a:ln>
         </p:spPr>
       </p:pic>
       <p:sp>
@@ -4362,11 +4372,13 @@
           </a:xfrm>
         </p:spPr>
         <p:txBody>
-          <a:bodyPr/>
-          <a:lstStyle/>
-          <a:p>
-            <a:r>
-              <a:rPr lang="en-US" b="1" dirty="0"/>
+          <a:bodyPr>
+            <a:normAutofit/>
+          </a:bodyPr>
+          <a:lstStyle/>
+          <a:p>
+            <a:r>
+              <a:rPr lang="en-US" sz="4000" b="1" dirty="0"/>
               <a:t>Heart Rate Vs. Risk Level</a:t>
             </a:r>
           </a:p>
@@ -4548,6 +4560,9 @@
           <a:bodyPr/>
           <a:lstStyle/>
           <a:p>
+            <a:pPr marL="0" indent="0">
+              <a:buNone/>
+            </a:pPr>
             <a:endParaRPr lang="en-US" dirty="0"/>
           </a:p>
         </p:txBody>
@@ -4700,7 +4715,7 @@
         <p:spPr>
           <a:xfrm>
             <a:off x="4764204" y="262357"/>
-            <a:ext cx="2597210" cy="973137"/>
+            <a:ext cx="3347830" cy="973137"/>
           </a:xfrm>
           <a:prstGeom prst="rect">
             <a:avLst/>
@@ -4732,10 +4747,10 @@
           </a:lstStyle>
           <a:p>
             <a:r>
-              <a:rPr lang="en-US" b="1" dirty="0" err="1"/>
+              <a:rPr lang="en-US" sz="4000" b="1" dirty="0" err="1"/>
               <a:t>Geoapify</a:t>
             </a:r>
-            <a:endParaRPr lang="en-US" b="1" dirty="0"/>
+            <a:endParaRPr lang="en-US" sz="4000" b="1" dirty="0"/>
           </a:p>
         </p:txBody>
       </p:sp>
@@ -4910,7 +4925,7 @@
           <a:lstStyle/>
           <a:p>
             <a:r>
-              <a:rPr lang="en-US" sz="5400" b="1" dirty="0"/>
+              <a:rPr lang="en-US" sz="4800" b="1" dirty="0"/>
               <a:t>Introduction</a:t>
             </a:r>
           </a:p>
@@ -4954,7 +4969,15 @@
             <a:pPr algn="ctr"/>
             <a:r>
               <a:rPr lang="en-US" dirty="0"/>
-              <a:t>Our research aims to identify the key indicators that influence risk levels during pregnancy. We are using a dataset taken from various hospitals, clinics and maternal health cares in Bangladesh, India. Our primary focus is analyzing age, blood pressure, heart rate, and blood sugar to determine their impact on predicted risk intensity level of pregnancy complication.</a:t>
+              <a:t>Our research aims to identify the key indicators that influence risk levels during pregnancy. We are using a dataset taken from various hospitals, clinics and maternal health </a:t>
+            </a:r>
+            <a:r>
+              <a:rPr lang="en-US"/>
+              <a:t>care centers </a:t>
+            </a:r>
+            <a:r>
+              <a:rPr lang="en-US" dirty="0"/>
+              <a:t>in Bangladesh, India. Our primary focus is analyzing age, blood pressure, heart rate, and blood sugar to determine their impact on predicted risk intensity level of pregnancy complication.</a:t>
             </a:r>
           </a:p>
         </p:txBody>
@@ -4999,2721 +5022,81 @@
       </p:grpSpPr>
       <p:sp>
         <p:nvSpPr>
-          <p:cNvPr id="2" name="Title 1">
-            <a:extLst>
-              <a:ext uri="{FF2B5EF4-FFF2-40B4-BE49-F238E27FC236}">
-                <a16:creationId xmlns:a16="http://schemas.microsoft.com/office/drawing/2014/main" id="{42D33B07-7F45-9F0F-7090-1149D0E1B523}"/>
-              </a:ext>
-            </a:extLst>
-          </p:cNvPr>
-          <p:cNvSpPr>
-            <a:spLocks noGrp="1"/>
-          </p:cNvSpPr>
-          <p:nvPr>
-            <p:ph type="title"/>
-          </p:nvPr>
-        </p:nvSpPr>
-        <p:spPr/>
-        <p:txBody>
-          <a:bodyPr>
-            <a:normAutofit/>
-          </a:bodyPr>
-          <a:lstStyle/>
-          <a:p>
-            <a:r>
-              <a:rPr lang="en-US" sz="4800" b="1" dirty="0"/>
-              <a:t>Maternal Health Data</a:t>
-            </a:r>
-          </a:p>
-        </p:txBody>
-      </p:sp>
-      <p:graphicFrame>
-        <p:nvGraphicFramePr>
-          <p:cNvPr id="5" name="Content Placeholder 4">
-            <a:extLst>
-              <a:ext uri="{FF2B5EF4-FFF2-40B4-BE49-F238E27FC236}">
-                <a16:creationId xmlns:a16="http://schemas.microsoft.com/office/drawing/2014/main" id="{93051399-CFB6-99AB-DFA6-C4110E1F97AB}"/>
-              </a:ext>
-            </a:extLst>
-          </p:cNvPr>
-          <p:cNvGraphicFramePr>
-            <a:graphicFrameLocks noGrp="1"/>
-          </p:cNvGraphicFramePr>
-          <p:nvPr>
-            <p:ph sz="half" idx="1"/>
-            <p:extLst>
-              <p:ext uri="{D42A27DB-BD31-4B8C-83A1-F6EECF244321}">
-                <p14:modId xmlns:p14="http://schemas.microsoft.com/office/powerpoint/2010/main" val="771010431"/>
-              </p:ext>
-            </p:extLst>
-          </p:nvPr>
-        </p:nvGraphicFramePr>
-        <p:xfrm>
-          <a:off x="742864" y="3008720"/>
-          <a:ext cx="4267200" cy="1905000"/>
-        </p:xfrm>
-        <a:graphic>
-          <a:graphicData uri="http://schemas.openxmlformats.org/drawingml/2006/table">
-            <a:tbl>
-              <a:tblPr/>
-              <a:tblGrid>
-                <a:gridCol w="438515">
-                  <a:extLst>
-                    <a:ext uri="{9D8B030D-6E8A-4147-A177-3AD203B41FA5}">
-                      <a16:colId xmlns:a16="http://schemas.microsoft.com/office/drawing/2014/main" val="156732483"/>
-                    </a:ext>
-                  </a:extLst>
-                </a:gridCol>
-                <a:gridCol w="661962">
-                  <a:extLst>
-                    <a:ext uri="{9D8B030D-6E8A-4147-A177-3AD203B41FA5}">
-                      <a16:colId xmlns:a16="http://schemas.microsoft.com/office/drawing/2014/main" val="641875727"/>
-                    </a:ext>
-                  </a:extLst>
-                </a:gridCol>
-                <a:gridCol w="757646">
-                  <a:extLst>
-                    <a:ext uri="{9D8B030D-6E8A-4147-A177-3AD203B41FA5}">
-                      <a16:colId xmlns:a16="http://schemas.microsoft.com/office/drawing/2014/main" val="3429942390"/>
-                    </a:ext>
-                  </a:extLst>
-                </a:gridCol>
-                <a:gridCol w="444137">
-                  <a:extLst>
-                    <a:ext uri="{9D8B030D-6E8A-4147-A177-3AD203B41FA5}">
-                      <a16:colId xmlns:a16="http://schemas.microsoft.com/office/drawing/2014/main" val="2950946995"/>
-                    </a:ext>
-                  </a:extLst>
-                </a:gridCol>
-                <a:gridCol w="646612">
-                  <a:extLst>
-                    <a:ext uri="{9D8B030D-6E8A-4147-A177-3AD203B41FA5}">
-                      <a16:colId xmlns:a16="http://schemas.microsoft.com/office/drawing/2014/main" val="2251435027"/>
-                    </a:ext>
-                  </a:extLst>
-                </a:gridCol>
-                <a:gridCol w="708728">
-                  <a:extLst>
-                    <a:ext uri="{9D8B030D-6E8A-4147-A177-3AD203B41FA5}">
-                      <a16:colId xmlns:a16="http://schemas.microsoft.com/office/drawing/2014/main" val="110463858"/>
-                    </a:ext>
-                  </a:extLst>
-                </a:gridCol>
-                <a:gridCol w="609600">
-                  <a:extLst>
-                    <a:ext uri="{9D8B030D-6E8A-4147-A177-3AD203B41FA5}">
-                      <a16:colId xmlns:a16="http://schemas.microsoft.com/office/drawing/2014/main" val="3063959188"/>
-                    </a:ext>
-                  </a:extLst>
-                </a:gridCol>
-              </a:tblGrid>
-              <a:tr h="190500">
-                <a:tc>
-                  <a:txBody>
-                    <a:bodyPr/>
-                    <a:lstStyle/>
-                    <a:p>
-                      <a:pPr algn="l" fontAlgn="b"/>
-                      <a:r>
-                        <a:rPr lang="en-US" sz="1100" b="0" i="0" u="none" strike="noStrike">
-                          <a:solidFill>
-                            <a:srgbClr val="000000"/>
-                          </a:solidFill>
-                          <a:effectLst/>
-                          <a:latin typeface="Aptos Narrow" panose="020B0004020202020204" pitchFamily="34" charset="0"/>
-                        </a:rPr>
-                        <a:t>Age</a:t>
-                      </a:r>
-                    </a:p>
-                  </a:txBody>
-                  <a:tcPr marL="9525" marR="9525" marT="9525" marB="0" anchor="b">
-                    <a:lnL>
-                      <a:noFill/>
-                    </a:lnL>
-                    <a:lnR>
-                      <a:noFill/>
-                    </a:lnR>
-                    <a:lnT>
-                      <a:noFill/>
-                    </a:lnT>
-                    <a:lnB>
-                      <a:noFill/>
-                    </a:lnB>
-                    <a:solidFill>
-                      <a:schemeClr val="bg1"/>
-                    </a:solidFill>
-                  </a:tcPr>
-                </a:tc>
-                <a:tc>
-                  <a:txBody>
-                    <a:bodyPr/>
-                    <a:lstStyle/>
-                    <a:p>
-                      <a:pPr algn="l" fontAlgn="b"/>
-                      <a:r>
-                        <a:rPr lang="en-US" sz="1100" b="0" i="0" u="none" strike="noStrike">
-                          <a:solidFill>
-                            <a:srgbClr val="000000"/>
-                          </a:solidFill>
-                          <a:effectLst/>
-                          <a:latin typeface="Aptos Narrow" panose="020B0004020202020204" pitchFamily="34" charset="0"/>
-                        </a:rPr>
-                        <a:t>SystolicBP</a:t>
-                      </a:r>
-                    </a:p>
-                  </a:txBody>
-                  <a:tcPr marL="9525" marR="9525" marT="9525" marB="0" anchor="b">
-                    <a:lnL>
-                      <a:noFill/>
-                    </a:lnL>
-                    <a:lnR>
-                      <a:noFill/>
-                    </a:lnR>
-                    <a:lnT>
-                      <a:noFill/>
-                    </a:lnT>
-                    <a:lnB>
-                      <a:noFill/>
-                    </a:lnB>
-                    <a:solidFill>
-                      <a:schemeClr val="bg1"/>
-                    </a:solidFill>
-                  </a:tcPr>
-                </a:tc>
-                <a:tc>
-                  <a:txBody>
-                    <a:bodyPr/>
-                    <a:lstStyle/>
-                    <a:p>
-                      <a:pPr algn="l" fontAlgn="b"/>
-                      <a:r>
-                        <a:rPr lang="en-US" sz="1100" b="0" i="0" u="none" strike="noStrike">
-                          <a:solidFill>
-                            <a:srgbClr val="000000"/>
-                          </a:solidFill>
-                          <a:effectLst/>
-                          <a:latin typeface="Aptos Narrow" panose="020B0004020202020204" pitchFamily="34" charset="0"/>
-                        </a:rPr>
-                        <a:t>DiastolicBP</a:t>
-                      </a:r>
-                    </a:p>
-                  </a:txBody>
-                  <a:tcPr marL="9525" marR="9525" marT="9525" marB="0" anchor="b">
-                    <a:lnL>
-                      <a:noFill/>
-                    </a:lnL>
-                    <a:lnR>
-                      <a:noFill/>
-                    </a:lnR>
-                    <a:lnT>
-                      <a:noFill/>
-                    </a:lnT>
-                    <a:lnB>
-                      <a:noFill/>
-                    </a:lnB>
-                    <a:solidFill>
-                      <a:schemeClr val="bg1"/>
-                    </a:solidFill>
-                  </a:tcPr>
-                </a:tc>
-                <a:tc>
-                  <a:txBody>
-                    <a:bodyPr/>
-                    <a:lstStyle/>
-                    <a:p>
-                      <a:pPr algn="l" fontAlgn="b"/>
-                      <a:r>
-                        <a:rPr lang="en-US" sz="1100" b="0" i="0" u="none" strike="noStrike">
-                          <a:solidFill>
-                            <a:srgbClr val="000000"/>
-                          </a:solidFill>
-                          <a:effectLst/>
-                          <a:latin typeface="Aptos Narrow" panose="020B0004020202020204" pitchFamily="34" charset="0"/>
-                        </a:rPr>
-                        <a:t>BS</a:t>
-                      </a:r>
-                    </a:p>
-                  </a:txBody>
-                  <a:tcPr marL="9525" marR="9525" marT="9525" marB="0" anchor="b">
-                    <a:lnL>
-                      <a:noFill/>
-                    </a:lnL>
-                    <a:lnR>
-                      <a:noFill/>
-                    </a:lnR>
-                    <a:lnT>
-                      <a:noFill/>
-                    </a:lnT>
-                    <a:lnB>
-                      <a:noFill/>
-                    </a:lnB>
-                    <a:solidFill>
-                      <a:schemeClr val="bg1"/>
-                    </a:solidFill>
-                  </a:tcPr>
-                </a:tc>
-                <a:tc>
-                  <a:txBody>
-                    <a:bodyPr/>
-                    <a:lstStyle/>
-                    <a:p>
-                      <a:pPr algn="l" fontAlgn="b"/>
-                      <a:r>
-                        <a:rPr lang="en-US" sz="1100" b="0" i="0" u="none" strike="noStrike">
-                          <a:solidFill>
-                            <a:srgbClr val="000000"/>
-                          </a:solidFill>
-                          <a:effectLst/>
-                          <a:latin typeface="Aptos Narrow" panose="020B0004020202020204" pitchFamily="34" charset="0"/>
-                        </a:rPr>
-                        <a:t>BodyTemp</a:t>
-                      </a:r>
-                    </a:p>
-                  </a:txBody>
-                  <a:tcPr marL="9525" marR="9525" marT="9525" marB="0" anchor="b">
-                    <a:lnL>
-                      <a:noFill/>
-                    </a:lnL>
-                    <a:lnR>
-                      <a:noFill/>
-                    </a:lnR>
-                    <a:lnT>
-                      <a:noFill/>
-                    </a:lnT>
-                    <a:lnB>
-                      <a:noFill/>
-                    </a:lnB>
-                    <a:solidFill>
-                      <a:schemeClr val="bg1"/>
-                    </a:solidFill>
-                  </a:tcPr>
-                </a:tc>
-                <a:tc>
-                  <a:txBody>
-                    <a:bodyPr/>
-                    <a:lstStyle/>
-                    <a:p>
-                      <a:pPr algn="l" fontAlgn="b"/>
-                      <a:r>
-                        <a:rPr lang="en-US" sz="1100" b="0" i="0" u="none" strike="noStrike" dirty="0" err="1">
-                          <a:solidFill>
-                            <a:srgbClr val="000000"/>
-                          </a:solidFill>
-                          <a:effectLst/>
-                          <a:latin typeface="Aptos Narrow" panose="020B0004020202020204" pitchFamily="34" charset="0"/>
-                        </a:rPr>
-                        <a:t>HeartRate</a:t>
-                      </a:r>
-                      <a:endParaRPr lang="en-US" sz="1100" b="0" i="0" u="none" strike="noStrike" dirty="0">
-                        <a:solidFill>
-                          <a:srgbClr val="000000"/>
-                        </a:solidFill>
-                        <a:effectLst/>
-                        <a:latin typeface="Aptos Narrow" panose="020B0004020202020204" pitchFamily="34" charset="0"/>
-                      </a:endParaRPr>
-                    </a:p>
-                  </a:txBody>
-                  <a:tcPr marL="9525" marR="9525" marT="9525" marB="0" anchor="b">
-                    <a:lnL>
-                      <a:noFill/>
-                    </a:lnL>
-                    <a:lnR>
-                      <a:noFill/>
-                    </a:lnR>
-                    <a:lnT>
-                      <a:noFill/>
-                    </a:lnT>
-                    <a:lnB>
-                      <a:noFill/>
-                    </a:lnB>
-                    <a:solidFill>
-                      <a:schemeClr val="bg1"/>
-                    </a:solidFill>
-                  </a:tcPr>
-                </a:tc>
-                <a:tc>
-                  <a:txBody>
-                    <a:bodyPr/>
-                    <a:lstStyle/>
-                    <a:p>
-                      <a:pPr algn="l" fontAlgn="b"/>
-                      <a:r>
-                        <a:rPr lang="en-US" sz="1100" b="0" i="0" u="none" strike="noStrike">
-                          <a:solidFill>
-                            <a:srgbClr val="000000"/>
-                          </a:solidFill>
-                          <a:effectLst/>
-                          <a:latin typeface="Aptos Narrow" panose="020B0004020202020204" pitchFamily="34" charset="0"/>
-                        </a:rPr>
-                        <a:t>RiskLevel</a:t>
-                      </a:r>
-                    </a:p>
-                  </a:txBody>
-                  <a:tcPr marL="9525" marR="9525" marT="9525" marB="0" anchor="b">
-                    <a:lnL>
-                      <a:noFill/>
-                    </a:lnL>
-                    <a:lnR>
-                      <a:noFill/>
-                    </a:lnR>
-                    <a:lnT>
-                      <a:noFill/>
-                    </a:lnT>
-                    <a:lnB>
-                      <a:noFill/>
-                    </a:lnB>
-                    <a:solidFill>
-                      <a:schemeClr val="bg1"/>
-                    </a:solidFill>
-                  </a:tcPr>
-                </a:tc>
-                <a:extLst>
-                  <a:ext uri="{0D108BD9-81ED-4DB2-BD59-A6C34878D82A}">
-                    <a16:rowId xmlns:a16="http://schemas.microsoft.com/office/drawing/2014/main" val="2538921100"/>
-                  </a:ext>
-                </a:extLst>
-              </a:tr>
-              <a:tr h="190500">
-                <a:tc>
-                  <a:txBody>
-                    <a:bodyPr/>
-                    <a:lstStyle/>
-                    <a:p>
-                      <a:pPr algn="r" fontAlgn="b"/>
-                      <a:r>
-                        <a:rPr lang="en-US" sz="1100" b="0" i="0" u="none" strike="noStrike">
-                          <a:solidFill>
-                            <a:srgbClr val="000000"/>
-                          </a:solidFill>
-                          <a:effectLst/>
-                          <a:latin typeface="Aptos Narrow" panose="020B0004020202020204" pitchFamily="34" charset="0"/>
-                        </a:rPr>
-                        <a:t>25</a:t>
-                      </a:r>
-                    </a:p>
-                  </a:txBody>
-                  <a:tcPr marL="9525" marR="9525" marT="9525" marB="0" anchor="b">
-                    <a:lnL>
-                      <a:noFill/>
-                    </a:lnL>
-                    <a:lnR>
-                      <a:noFill/>
-                    </a:lnR>
-                    <a:lnT>
-                      <a:noFill/>
-                    </a:lnT>
-                    <a:lnB>
-                      <a:noFill/>
-                    </a:lnB>
-                    <a:solidFill>
-                      <a:schemeClr val="bg1"/>
-                    </a:solidFill>
-                  </a:tcPr>
-                </a:tc>
-                <a:tc>
-                  <a:txBody>
-                    <a:bodyPr/>
-                    <a:lstStyle/>
-                    <a:p>
-                      <a:pPr algn="r" fontAlgn="b"/>
-                      <a:r>
-                        <a:rPr lang="en-US" sz="1100" b="0" i="0" u="none" strike="noStrike">
-                          <a:solidFill>
-                            <a:srgbClr val="000000"/>
-                          </a:solidFill>
-                          <a:effectLst/>
-                          <a:latin typeface="Aptos Narrow" panose="020B0004020202020204" pitchFamily="34" charset="0"/>
-                        </a:rPr>
-                        <a:t>130</a:t>
-                      </a:r>
-                    </a:p>
-                  </a:txBody>
-                  <a:tcPr marL="9525" marR="9525" marT="9525" marB="0" anchor="b">
-                    <a:lnL>
-                      <a:noFill/>
-                    </a:lnL>
-                    <a:lnR>
-                      <a:noFill/>
-                    </a:lnR>
-                    <a:lnT>
-                      <a:noFill/>
-                    </a:lnT>
-                    <a:lnB>
-                      <a:noFill/>
-                    </a:lnB>
-                    <a:solidFill>
-                      <a:schemeClr val="bg1"/>
-                    </a:solidFill>
-                  </a:tcPr>
-                </a:tc>
-                <a:tc>
-                  <a:txBody>
-                    <a:bodyPr/>
-                    <a:lstStyle/>
-                    <a:p>
-                      <a:pPr algn="r" fontAlgn="b"/>
-                      <a:r>
-                        <a:rPr lang="en-US" sz="1100" b="0" i="0" u="none" strike="noStrike">
-                          <a:solidFill>
-                            <a:srgbClr val="000000"/>
-                          </a:solidFill>
-                          <a:effectLst/>
-                          <a:latin typeface="Aptos Narrow" panose="020B0004020202020204" pitchFamily="34" charset="0"/>
-                        </a:rPr>
-                        <a:t>80</a:t>
-                      </a:r>
-                    </a:p>
-                  </a:txBody>
-                  <a:tcPr marL="9525" marR="9525" marT="9525" marB="0" anchor="b">
-                    <a:lnL>
-                      <a:noFill/>
-                    </a:lnL>
-                    <a:lnR>
-                      <a:noFill/>
-                    </a:lnR>
-                    <a:lnT>
-                      <a:noFill/>
-                    </a:lnT>
-                    <a:lnB>
-                      <a:noFill/>
-                    </a:lnB>
-                    <a:solidFill>
-                      <a:schemeClr val="bg1"/>
-                    </a:solidFill>
-                  </a:tcPr>
-                </a:tc>
-                <a:tc>
-                  <a:txBody>
-                    <a:bodyPr/>
-                    <a:lstStyle/>
-                    <a:p>
-                      <a:pPr algn="r" fontAlgn="b"/>
-                      <a:r>
-                        <a:rPr lang="en-US" sz="1100" b="0" i="0" u="none" strike="noStrike">
-                          <a:solidFill>
-                            <a:srgbClr val="000000"/>
-                          </a:solidFill>
-                          <a:effectLst/>
-                          <a:latin typeface="Aptos Narrow" panose="020B0004020202020204" pitchFamily="34" charset="0"/>
-                        </a:rPr>
-                        <a:t>15</a:t>
-                      </a:r>
-                    </a:p>
-                  </a:txBody>
-                  <a:tcPr marL="9525" marR="9525" marT="9525" marB="0" anchor="b">
-                    <a:lnL>
-                      <a:noFill/>
-                    </a:lnL>
-                    <a:lnR>
-                      <a:noFill/>
-                    </a:lnR>
-                    <a:lnT>
-                      <a:noFill/>
-                    </a:lnT>
-                    <a:lnB>
-                      <a:noFill/>
-                    </a:lnB>
-                    <a:solidFill>
-                      <a:schemeClr val="bg1"/>
-                    </a:solidFill>
-                  </a:tcPr>
-                </a:tc>
-                <a:tc>
-                  <a:txBody>
-                    <a:bodyPr/>
-                    <a:lstStyle/>
-                    <a:p>
-                      <a:pPr algn="r" fontAlgn="b"/>
-                      <a:r>
-                        <a:rPr lang="en-US" sz="1100" b="0" i="0" u="none" strike="noStrike">
-                          <a:solidFill>
-                            <a:srgbClr val="000000"/>
-                          </a:solidFill>
-                          <a:effectLst/>
-                          <a:latin typeface="Aptos Narrow" panose="020B0004020202020204" pitchFamily="34" charset="0"/>
-                        </a:rPr>
-                        <a:t>98</a:t>
-                      </a:r>
-                    </a:p>
-                  </a:txBody>
-                  <a:tcPr marL="9525" marR="9525" marT="9525" marB="0" anchor="b">
-                    <a:lnL>
-                      <a:noFill/>
-                    </a:lnL>
-                    <a:lnR>
-                      <a:noFill/>
-                    </a:lnR>
-                    <a:lnT>
-                      <a:noFill/>
-                    </a:lnT>
-                    <a:lnB>
-                      <a:noFill/>
-                    </a:lnB>
-                    <a:solidFill>
-                      <a:schemeClr val="bg1"/>
-                    </a:solidFill>
-                  </a:tcPr>
-                </a:tc>
-                <a:tc>
-                  <a:txBody>
-                    <a:bodyPr/>
-                    <a:lstStyle/>
-                    <a:p>
-                      <a:pPr algn="r" fontAlgn="b"/>
-                      <a:r>
-                        <a:rPr lang="en-US" sz="1100" b="0" i="0" u="none" strike="noStrike">
-                          <a:solidFill>
-                            <a:srgbClr val="000000"/>
-                          </a:solidFill>
-                          <a:effectLst/>
-                          <a:latin typeface="Aptos Narrow" panose="020B0004020202020204" pitchFamily="34" charset="0"/>
-                        </a:rPr>
-                        <a:t>86</a:t>
-                      </a:r>
-                    </a:p>
-                  </a:txBody>
-                  <a:tcPr marL="9525" marR="9525" marT="9525" marB="0" anchor="b">
-                    <a:lnL>
-                      <a:noFill/>
-                    </a:lnL>
-                    <a:lnR>
-                      <a:noFill/>
-                    </a:lnR>
-                    <a:lnT>
-                      <a:noFill/>
-                    </a:lnT>
-                    <a:lnB>
-                      <a:noFill/>
-                    </a:lnB>
-                    <a:solidFill>
-                      <a:schemeClr val="bg1"/>
-                    </a:solidFill>
-                  </a:tcPr>
-                </a:tc>
-                <a:tc>
-                  <a:txBody>
-                    <a:bodyPr/>
-                    <a:lstStyle/>
-                    <a:p>
-                      <a:pPr algn="l" fontAlgn="b"/>
-                      <a:r>
-                        <a:rPr lang="en-US" sz="1100" b="0" i="0" u="none" strike="noStrike">
-                          <a:solidFill>
-                            <a:srgbClr val="000000"/>
-                          </a:solidFill>
-                          <a:effectLst/>
-                          <a:latin typeface="Aptos Narrow" panose="020B0004020202020204" pitchFamily="34" charset="0"/>
-                        </a:rPr>
-                        <a:t>high risk</a:t>
-                      </a:r>
-                    </a:p>
-                  </a:txBody>
-                  <a:tcPr marL="9525" marR="9525" marT="9525" marB="0" anchor="b">
-                    <a:lnL>
-                      <a:noFill/>
-                    </a:lnL>
-                    <a:lnR>
-                      <a:noFill/>
-                    </a:lnR>
-                    <a:lnT>
-                      <a:noFill/>
-                    </a:lnT>
-                    <a:lnB>
-                      <a:noFill/>
-                    </a:lnB>
-                    <a:solidFill>
-                      <a:schemeClr val="bg1"/>
-                    </a:solidFill>
-                  </a:tcPr>
-                </a:tc>
-                <a:extLst>
-                  <a:ext uri="{0D108BD9-81ED-4DB2-BD59-A6C34878D82A}">
-                    <a16:rowId xmlns:a16="http://schemas.microsoft.com/office/drawing/2014/main" val="1129786973"/>
-                  </a:ext>
-                </a:extLst>
-              </a:tr>
-              <a:tr h="190500">
-                <a:tc>
-                  <a:txBody>
-                    <a:bodyPr/>
-                    <a:lstStyle/>
-                    <a:p>
-                      <a:pPr algn="r" fontAlgn="b"/>
-                      <a:r>
-                        <a:rPr lang="en-US" sz="1100" b="0" i="0" u="none" strike="noStrike">
-                          <a:solidFill>
-                            <a:srgbClr val="000000"/>
-                          </a:solidFill>
-                          <a:effectLst/>
-                          <a:latin typeface="Aptos Narrow" panose="020B0004020202020204" pitchFamily="34" charset="0"/>
-                        </a:rPr>
-                        <a:t>35</a:t>
-                      </a:r>
-                    </a:p>
-                  </a:txBody>
-                  <a:tcPr marL="9525" marR="9525" marT="9525" marB="0" anchor="b">
-                    <a:lnL>
-                      <a:noFill/>
-                    </a:lnL>
-                    <a:lnR>
-                      <a:noFill/>
-                    </a:lnR>
-                    <a:lnT>
-                      <a:noFill/>
-                    </a:lnT>
-                    <a:lnB>
-                      <a:noFill/>
-                    </a:lnB>
-                    <a:solidFill>
-                      <a:schemeClr val="bg1"/>
-                    </a:solidFill>
-                  </a:tcPr>
-                </a:tc>
-                <a:tc>
-                  <a:txBody>
-                    <a:bodyPr/>
-                    <a:lstStyle/>
-                    <a:p>
-                      <a:pPr algn="r" fontAlgn="b"/>
-                      <a:r>
-                        <a:rPr lang="en-US" sz="1100" b="0" i="0" u="none" strike="noStrike">
-                          <a:solidFill>
-                            <a:srgbClr val="000000"/>
-                          </a:solidFill>
-                          <a:effectLst/>
-                          <a:latin typeface="Aptos Narrow" panose="020B0004020202020204" pitchFamily="34" charset="0"/>
-                        </a:rPr>
-                        <a:t>140</a:t>
-                      </a:r>
-                    </a:p>
-                  </a:txBody>
-                  <a:tcPr marL="9525" marR="9525" marT="9525" marB="0" anchor="b">
-                    <a:lnL>
-                      <a:noFill/>
-                    </a:lnL>
-                    <a:lnR>
-                      <a:noFill/>
-                    </a:lnR>
-                    <a:lnT>
-                      <a:noFill/>
-                    </a:lnT>
-                    <a:lnB>
-                      <a:noFill/>
-                    </a:lnB>
-                    <a:solidFill>
-                      <a:schemeClr val="bg1"/>
-                    </a:solidFill>
-                  </a:tcPr>
-                </a:tc>
-                <a:tc>
-                  <a:txBody>
-                    <a:bodyPr/>
-                    <a:lstStyle/>
-                    <a:p>
-                      <a:pPr algn="r" fontAlgn="b"/>
-                      <a:r>
-                        <a:rPr lang="en-US" sz="1100" b="0" i="0" u="none" strike="noStrike">
-                          <a:solidFill>
-                            <a:srgbClr val="000000"/>
-                          </a:solidFill>
-                          <a:effectLst/>
-                          <a:latin typeface="Aptos Narrow" panose="020B0004020202020204" pitchFamily="34" charset="0"/>
-                        </a:rPr>
-                        <a:t>90</a:t>
-                      </a:r>
-                    </a:p>
-                  </a:txBody>
-                  <a:tcPr marL="9525" marR="9525" marT="9525" marB="0" anchor="b">
-                    <a:lnL>
-                      <a:noFill/>
-                    </a:lnL>
-                    <a:lnR>
-                      <a:noFill/>
-                    </a:lnR>
-                    <a:lnT>
-                      <a:noFill/>
-                    </a:lnT>
-                    <a:lnB>
-                      <a:noFill/>
-                    </a:lnB>
-                    <a:solidFill>
-                      <a:schemeClr val="bg1"/>
-                    </a:solidFill>
-                  </a:tcPr>
-                </a:tc>
-                <a:tc>
-                  <a:txBody>
-                    <a:bodyPr/>
-                    <a:lstStyle/>
-                    <a:p>
-                      <a:pPr algn="r" fontAlgn="b"/>
-                      <a:r>
-                        <a:rPr lang="en-US" sz="1100" b="0" i="0" u="none" strike="noStrike">
-                          <a:solidFill>
-                            <a:srgbClr val="000000"/>
-                          </a:solidFill>
-                          <a:effectLst/>
-                          <a:latin typeface="Aptos Narrow" panose="020B0004020202020204" pitchFamily="34" charset="0"/>
-                        </a:rPr>
-                        <a:t>13</a:t>
-                      </a:r>
-                    </a:p>
-                  </a:txBody>
-                  <a:tcPr marL="9525" marR="9525" marT="9525" marB="0" anchor="b">
-                    <a:lnL>
-                      <a:noFill/>
-                    </a:lnL>
-                    <a:lnR>
-                      <a:noFill/>
-                    </a:lnR>
-                    <a:lnT>
-                      <a:noFill/>
-                    </a:lnT>
-                    <a:lnB>
-                      <a:noFill/>
-                    </a:lnB>
-                    <a:solidFill>
-                      <a:schemeClr val="bg1"/>
-                    </a:solidFill>
-                  </a:tcPr>
-                </a:tc>
-                <a:tc>
-                  <a:txBody>
-                    <a:bodyPr/>
-                    <a:lstStyle/>
-                    <a:p>
-                      <a:pPr algn="r" fontAlgn="b"/>
-                      <a:r>
-                        <a:rPr lang="en-US" sz="1100" b="0" i="0" u="none" strike="noStrike">
-                          <a:solidFill>
-                            <a:srgbClr val="000000"/>
-                          </a:solidFill>
-                          <a:effectLst/>
-                          <a:latin typeface="Aptos Narrow" panose="020B0004020202020204" pitchFamily="34" charset="0"/>
-                        </a:rPr>
-                        <a:t>98</a:t>
-                      </a:r>
-                    </a:p>
-                  </a:txBody>
-                  <a:tcPr marL="9525" marR="9525" marT="9525" marB="0" anchor="b">
-                    <a:lnL>
-                      <a:noFill/>
-                    </a:lnL>
-                    <a:lnR>
-                      <a:noFill/>
-                    </a:lnR>
-                    <a:lnT>
-                      <a:noFill/>
-                    </a:lnT>
-                    <a:lnB>
-                      <a:noFill/>
-                    </a:lnB>
-                    <a:solidFill>
-                      <a:schemeClr val="bg1"/>
-                    </a:solidFill>
-                  </a:tcPr>
-                </a:tc>
-                <a:tc>
-                  <a:txBody>
-                    <a:bodyPr/>
-                    <a:lstStyle/>
-                    <a:p>
-                      <a:pPr algn="r" fontAlgn="b"/>
-                      <a:r>
-                        <a:rPr lang="en-US" sz="1100" b="0" i="0" u="none" strike="noStrike">
-                          <a:solidFill>
-                            <a:srgbClr val="000000"/>
-                          </a:solidFill>
-                          <a:effectLst/>
-                          <a:latin typeface="Aptos Narrow" panose="020B0004020202020204" pitchFamily="34" charset="0"/>
-                        </a:rPr>
-                        <a:t>70</a:t>
-                      </a:r>
-                    </a:p>
-                  </a:txBody>
-                  <a:tcPr marL="9525" marR="9525" marT="9525" marB="0" anchor="b">
-                    <a:lnL>
-                      <a:noFill/>
-                    </a:lnL>
-                    <a:lnR>
-                      <a:noFill/>
-                    </a:lnR>
-                    <a:lnT>
-                      <a:noFill/>
-                    </a:lnT>
-                    <a:lnB>
-                      <a:noFill/>
-                    </a:lnB>
-                    <a:solidFill>
-                      <a:schemeClr val="bg1"/>
-                    </a:solidFill>
-                  </a:tcPr>
-                </a:tc>
-                <a:tc>
-                  <a:txBody>
-                    <a:bodyPr/>
-                    <a:lstStyle/>
-                    <a:p>
-                      <a:pPr algn="l" fontAlgn="b"/>
-                      <a:r>
-                        <a:rPr lang="en-US" sz="1100" b="0" i="0" u="none" strike="noStrike">
-                          <a:solidFill>
-                            <a:srgbClr val="000000"/>
-                          </a:solidFill>
-                          <a:effectLst/>
-                          <a:latin typeface="Aptos Narrow" panose="020B0004020202020204" pitchFamily="34" charset="0"/>
-                        </a:rPr>
-                        <a:t>high risk</a:t>
-                      </a:r>
-                    </a:p>
-                  </a:txBody>
-                  <a:tcPr marL="9525" marR="9525" marT="9525" marB="0" anchor="b">
-                    <a:lnL>
-                      <a:noFill/>
-                    </a:lnL>
-                    <a:lnR>
-                      <a:noFill/>
-                    </a:lnR>
-                    <a:lnT>
-                      <a:noFill/>
-                    </a:lnT>
-                    <a:lnB>
-                      <a:noFill/>
-                    </a:lnB>
-                    <a:solidFill>
-                      <a:schemeClr val="bg1"/>
-                    </a:solidFill>
-                  </a:tcPr>
-                </a:tc>
-                <a:extLst>
-                  <a:ext uri="{0D108BD9-81ED-4DB2-BD59-A6C34878D82A}">
-                    <a16:rowId xmlns:a16="http://schemas.microsoft.com/office/drawing/2014/main" val="3900920155"/>
-                  </a:ext>
-                </a:extLst>
-              </a:tr>
-              <a:tr h="190500">
-                <a:tc>
-                  <a:txBody>
-                    <a:bodyPr/>
-                    <a:lstStyle/>
-                    <a:p>
-                      <a:pPr algn="r" fontAlgn="b"/>
-                      <a:r>
-                        <a:rPr lang="en-US" sz="1100" b="0" i="0" u="none" strike="noStrike">
-                          <a:solidFill>
-                            <a:srgbClr val="000000"/>
-                          </a:solidFill>
-                          <a:effectLst/>
-                          <a:latin typeface="Aptos Narrow" panose="020B0004020202020204" pitchFamily="34" charset="0"/>
-                        </a:rPr>
-                        <a:t>29</a:t>
-                      </a:r>
-                    </a:p>
-                  </a:txBody>
-                  <a:tcPr marL="9525" marR="9525" marT="9525" marB="0" anchor="b">
-                    <a:lnL>
-                      <a:noFill/>
-                    </a:lnL>
-                    <a:lnR>
-                      <a:noFill/>
-                    </a:lnR>
-                    <a:lnT>
-                      <a:noFill/>
-                    </a:lnT>
-                    <a:lnB>
-                      <a:noFill/>
-                    </a:lnB>
-                    <a:solidFill>
-                      <a:schemeClr val="bg1"/>
-                    </a:solidFill>
-                  </a:tcPr>
-                </a:tc>
-                <a:tc>
-                  <a:txBody>
-                    <a:bodyPr/>
-                    <a:lstStyle/>
-                    <a:p>
-                      <a:pPr algn="r" fontAlgn="b"/>
-                      <a:r>
-                        <a:rPr lang="en-US" sz="1100" b="0" i="0" u="none" strike="noStrike">
-                          <a:solidFill>
-                            <a:srgbClr val="000000"/>
-                          </a:solidFill>
-                          <a:effectLst/>
-                          <a:latin typeface="Aptos Narrow" panose="020B0004020202020204" pitchFamily="34" charset="0"/>
-                        </a:rPr>
-                        <a:t>90</a:t>
-                      </a:r>
-                    </a:p>
-                  </a:txBody>
-                  <a:tcPr marL="9525" marR="9525" marT="9525" marB="0" anchor="b">
-                    <a:lnL>
-                      <a:noFill/>
-                    </a:lnL>
-                    <a:lnR>
-                      <a:noFill/>
-                    </a:lnR>
-                    <a:lnT>
-                      <a:noFill/>
-                    </a:lnT>
-                    <a:lnB>
-                      <a:noFill/>
-                    </a:lnB>
-                    <a:solidFill>
-                      <a:schemeClr val="bg1"/>
-                    </a:solidFill>
-                  </a:tcPr>
-                </a:tc>
-                <a:tc>
-                  <a:txBody>
-                    <a:bodyPr/>
-                    <a:lstStyle/>
-                    <a:p>
-                      <a:pPr algn="r" fontAlgn="b"/>
-                      <a:r>
-                        <a:rPr lang="en-US" sz="1100" b="0" i="0" u="none" strike="noStrike">
-                          <a:solidFill>
-                            <a:srgbClr val="000000"/>
-                          </a:solidFill>
-                          <a:effectLst/>
-                          <a:latin typeface="Aptos Narrow" panose="020B0004020202020204" pitchFamily="34" charset="0"/>
-                        </a:rPr>
-                        <a:t>70</a:t>
-                      </a:r>
-                    </a:p>
-                  </a:txBody>
-                  <a:tcPr marL="9525" marR="9525" marT="9525" marB="0" anchor="b">
-                    <a:lnL>
-                      <a:noFill/>
-                    </a:lnL>
-                    <a:lnR>
-                      <a:noFill/>
-                    </a:lnR>
-                    <a:lnT>
-                      <a:noFill/>
-                    </a:lnT>
-                    <a:lnB>
-                      <a:noFill/>
-                    </a:lnB>
-                    <a:solidFill>
-                      <a:schemeClr val="bg1"/>
-                    </a:solidFill>
-                  </a:tcPr>
-                </a:tc>
-                <a:tc>
-                  <a:txBody>
-                    <a:bodyPr/>
-                    <a:lstStyle/>
-                    <a:p>
-                      <a:pPr algn="r" fontAlgn="b"/>
-                      <a:r>
-                        <a:rPr lang="en-US" sz="1100" b="0" i="0" u="none" strike="noStrike">
-                          <a:solidFill>
-                            <a:srgbClr val="000000"/>
-                          </a:solidFill>
-                          <a:effectLst/>
-                          <a:latin typeface="Aptos Narrow" panose="020B0004020202020204" pitchFamily="34" charset="0"/>
-                        </a:rPr>
-                        <a:t>8</a:t>
-                      </a:r>
-                    </a:p>
-                  </a:txBody>
-                  <a:tcPr marL="9525" marR="9525" marT="9525" marB="0" anchor="b">
-                    <a:lnL>
-                      <a:noFill/>
-                    </a:lnL>
-                    <a:lnR>
-                      <a:noFill/>
-                    </a:lnR>
-                    <a:lnT>
-                      <a:noFill/>
-                    </a:lnT>
-                    <a:lnB>
-                      <a:noFill/>
-                    </a:lnB>
-                    <a:solidFill>
-                      <a:schemeClr val="bg1"/>
-                    </a:solidFill>
-                  </a:tcPr>
-                </a:tc>
-                <a:tc>
-                  <a:txBody>
-                    <a:bodyPr/>
-                    <a:lstStyle/>
-                    <a:p>
-                      <a:pPr algn="r" fontAlgn="b"/>
-                      <a:r>
-                        <a:rPr lang="en-US" sz="1100" b="0" i="0" u="none" strike="noStrike">
-                          <a:solidFill>
-                            <a:srgbClr val="000000"/>
-                          </a:solidFill>
-                          <a:effectLst/>
-                          <a:latin typeface="Aptos Narrow" panose="020B0004020202020204" pitchFamily="34" charset="0"/>
-                        </a:rPr>
-                        <a:t>100</a:t>
-                      </a:r>
-                    </a:p>
-                  </a:txBody>
-                  <a:tcPr marL="9525" marR="9525" marT="9525" marB="0" anchor="b">
-                    <a:lnL>
-                      <a:noFill/>
-                    </a:lnL>
-                    <a:lnR>
-                      <a:noFill/>
-                    </a:lnR>
-                    <a:lnT>
-                      <a:noFill/>
-                    </a:lnT>
-                    <a:lnB>
-                      <a:noFill/>
-                    </a:lnB>
-                    <a:solidFill>
-                      <a:schemeClr val="bg1"/>
-                    </a:solidFill>
-                  </a:tcPr>
-                </a:tc>
-                <a:tc>
-                  <a:txBody>
-                    <a:bodyPr/>
-                    <a:lstStyle/>
-                    <a:p>
-                      <a:pPr algn="r" fontAlgn="b"/>
-                      <a:r>
-                        <a:rPr lang="en-US" sz="1100" b="0" i="0" u="none" strike="noStrike">
-                          <a:solidFill>
-                            <a:srgbClr val="000000"/>
-                          </a:solidFill>
-                          <a:effectLst/>
-                          <a:latin typeface="Aptos Narrow" panose="020B0004020202020204" pitchFamily="34" charset="0"/>
-                        </a:rPr>
-                        <a:t>80</a:t>
-                      </a:r>
-                    </a:p>
-                  </a:txBody>
-                  <a:tcPr marL="9525" marR="9525" marT="9525" marB="0" anchor="b">
-                    <a:lnL>
-                      <a:noFill/>
-                    </a:lnL>
-                    <a:lnR>
-                      <a:noFill/>
-                    </a:lnR>
-                    <a:lnT>
-                      <a:noFill/>
-                    </a:lnT>
-                    <a:lnB>
-                      <a:noFill/>
-                    </a:lnB>
-                    <a:solidFill>
-                      <a:schemeClr val="bg1"/>
-                    </a:solidFill>
-                  </a:tcPr>
-                </a:tc>
-                <a:tc>
-                  <a:txBody>
-                    <a:bodyPr/>
-                    <a:lstStyle/>
-                    <a:p>
-                      <a:pPr algn="l" fontAlgn="b"/>
-                      <a:r>
-                        <a:rPr lang="en-US" sz="1100" b="0" i="0" u="none" strike="noStrike">
-                          <a:solidFill>
-                            <a:srgbClr val="000000"/>
-                          </a:solidFill>
-                          <a:effectLst/>
-                          <a:latin typeface="Aptos Narrow" panose="020B0004020202020204" pitchFamily="34" charset="0"/>
-                        </a:rPr>
-                        <a:t>high risk</a:t>
-                      </a:r>
-                    </a:p>
-                  </a:txBody>
-                  <a:tcPr marL="9525" marR="9525" marT="9525" marB="0" anchor="b">
-                    <a:lnL>
-                      <a:noFill/>
-                    </a:lnL>
-                    <a:lnR>
-                      <a:noFill/>
-                    </a:lnR>
-                    <a:lnT>
-                      <a:noFill/>
-                    </a:lnT>
-                    <a:lnB>
-                      <a:noFill/>
-                    </a:lnB>
-                    <a:solidFill>
-                      <a:schemeClr val="bg1"/>
-                    </a:solidFill>
-                  </a:tcPr>
-                </a:tc>
-                <a:extLst>
-                  <a:ext uri="{0D108BD9-81ED-4DB2-BD59-A6C34878D82A}">
-                    <a16:rowId xmlns:a16="http://schemas.microsoft.com/office/drawing/2014/main" val="3159488281"/>
-                  </a:ext>
-                </a:extLst>
-              </a:tr>
-              <a:tr h="190500">
-                <a:tc>
-                  <a:txBody>
-                    <a:bodyPr/>
-                    <a:lstStyle/>
-                    <a:p>
-                      <a:pPr algn="r" fontAlgn="b"/>
-                      <a:r>
-                        <a:rPr lang="en-US" sz="1100" b="0" i="0" u="none" strike="noStrike">
-                          <a:solidFill>
-                            <a:srgbClr val="000000"/>
-                          </a:solidFill>
-                          <a:effectLst/>
-                          <a:latin typeface="Aptos Narrow" panose="020B0004020202020204" pitchFamily="34" charset="0"/>
-                        </a:rPr>
-                        <a:t>30</a:t>
-                      </a:r>
-                    </a:p>
-                  </a:txBody>
-                  <a:tcPr marL="9525" marR="9525" marT="9525" marB="0" anchor="b">
-                    <a:lnL>
-                      <a:noFill/>
-                    </a:lnL>
-                    <a:lnR>
-                      <a:noFill/>
-                    </a:lnR>
-                    <a:lnT>
-                      <a:noFill/>
-                    </a:lnT>
-                    <a:lnB>
-                      <a:noFill/>
-                    </a:lnB>
-                    <a:solidFill>
-                      <a:schemeClr val="bg1"/>
-                    </a:solidFill>
-                  </a:tcPr>
-                </a:tc>
-                <a:tc>
-                  <a:txBody>
-                    <a:bodyPr/>
-                    <a:lstStyle/>
-                    <a:p>
-                      <a:pPr algn="r" fontAlgn="b"/>
-                      <a:r>
-                        <a:rPr lang="en-US" sz="1100" b="0" i="0" u="none" strike="noStrike">
-                          <a:solidFill>
-                            <a:srgbClr val="000000"/>
-                          </a:solidFill>
-                          <a:effectLst/>
-                          <a:latin typeface="Aptos Narrow" panose="020B0004020202020204" pitchFamily="34" charset="0"/>
-                        </a:rPr>
-                        <a:t>140</a:t>
-                      </a:r>
-                    </a:p>
-                  </a:txBody>
-                  <a:tcPr marL="9525" marR="9525" marT="9525" marB="0" anchor="b">
-                    <a:lnL>
-                      <a:noFill/>
-                    </a:lnL>
-                    <a:lnR>
-                      <a:noFill/>
-                    </a:lnR>
-                    <a:lnT>
-                      <a:noFill/>
-                    </a:lnT>
-                    <a:lnB>
-                      <a:noFill/>
-                    </a:lnB>
-                    <a:solidFill>
-                      <a:schemeClr val="bg1"/>
-                    </a:solidFill>
-                  </a:tcPr>
-                </a:tc>
-                <a:tc>
-                  <a:txBody>
-                    <a:bodyPr/>
-                    <a:lstStyle/>
-                    <a:p>
-                      <a:pPr algn="r" fontAlgn="b"/>
-                      <a:r>
-                        <a:rPr lang="en-US" sz="1100" b="0" i="0" u="none" strike="noStrike">
-                          <a:solidFill>
-                            <a:srgbClr val="000000"/>
-                          </a:solidFill>
-                          <a:effectLst/>
-                          <a:latin typeface="Aptos Narrow" panose="020B0004020202020204" pitchFamily="34" charset="0"/>
-                        </a:rPr>
-                        <a:t>85</a:t>
-                      </a:r>
-                    </a:p>
-                  </a:txBody>
-                  <a:tcPr marL="9525" marR="9525" marT="9525" marB="0" anchor="b">
-                    <a:lnL>
-                      <a:noFill/>
-                    </a:lnL>
-                    <a:lnR>
-                      <a:noFill/>
-                    </a:lnR>
-                    <a:lnT>
-                      <a:noFill/>
-                    </a:lnT>
-                    <a:lnB>
-                      <a:noFill/>
-                    </a:lnB>
-                    <a:solidFill>
-                      <a:schemeClr val="bg1"/>
-                    </a:solidFill>
-                  </a:tcPr>
-                </a:tc>
-                <a:tc>
-                  <a:txBody>
-                    <a:bodyPr/>
-                    <a:lstStyle/>
-                    <a:p>
-                      <a:pPr algn="r" fontAlgn="b"/>
-                      <a:r>
-                        <a:rPr lang="en-US" sz="1100" b="0" i="0" u="none" strike="noStrike">
-                          <a:solidFill>
-                            <a:srgbClr val="000000"/>
-                          </a:solidFill>
-                          <a:effectLst/>
-                          <a:latin typeface="Aptos Narrow" panose="020B0004020202020204" pitchFamily="34" charset="0"/>
-                        </a:rPr>
-                        <a:t>7</a:t>
-                      </a:r>
-                    </a:p>
-                  </a:txBody>
-                  <a:tcPr marL="9525" marR="9525" marT="9525" marB="0" anchor="b">
-                    <a:lnL>
-                      <a:noFill/>
-                    </a:lnL>
-                    <a:lnR>
-                      <a:noFill/>
-                    </a:lnR>
-                    <a:lnT>
-                      <a:noFill/>
-                    </a:lnT>
-                    <a:lnB>
-                      <a:noFill/>
-                    </a:lnB>
-                    <a:solidFill>
-                      <a:schemeClr val="bg1"/>
-                    </a:solidFill>
-                  </a:tcPr>
-                </a:tc>
-                <a:tc>
-                  <a:txBody>
-                    <a:bodyPr/>
-                    <a:lstStyle/>
-                    <a:p>
-                      <a:pPr algn="r" fontAlgn="b"/>
-                      <a:r>
-                        <a:rPr lang="en-US" sz="1100" b="0" i="0" u="none" strike="noStrike">
-                          <a:solidFill>
-                            <a:srgbClr val="000000"/>
-                          </a:solidFill>
-                          <a:effectLst/>
-                          <a:latin typeface="Aptos Narrow" panose="020B0004020202020204" pitchFamily="34" charset="0"/>
-                        </a:rPr>
-                        <a:t>98</a:t>
-                      </a:r>
-                    </a:p>
-                  </a:txBody>
-                  <a:tcPr marL="9525" marR="9525" marT="9525" marB="0" anchor="b">
-                    <a:lnL>
-                      <a:noFill/>
-                    </a:lnL>
-                    <a:lnR>
-                      <a:noFill/>
-                    </a:lnR>
-                    <a:lnT>
-                      <a:noFill/>
-                    </a:lnT>
-                    <a:lnB>
-                      <a:noFill/>
-                    </a:lnB>
-                    <a:solidFill>
-                      <a:schemeClr val="bg1"/>
-                    </a:solidFill>
-                  </a:tcPr>
-                </a:tc>
-                <a:tc>
-                  <a:txBody>
-                    <a:bodyPr/>
-                    <a:lstStyle/>
-                    <a:p>
-                      <a:pPr algn="r" fontAlgn="b"/>
-                      <a:r>
-                        <a:rPr lang="en-US" sz="1100" b="0" i="0" u="none" strike="noStrike" dirty="0">
-                          <a:solidFill>
-                            <a:srgbClr val="000000"/>
-                          </a:solidFill>
-                          <a:effectLst/>
-                          <a:latin typeface="Aptos Narrow" panose="020B0004020202020204" pitchFamily="34" charset="0"/>
-                        </a:rPr>
-                        <a:t>70</a:t>
-                      </a:r>
-                    </a:p>
-                  </a:txBody>
-                  <a:tcPr marL="9525" marR="9525" marT="9525" marB="0" anchor="b">
-                    <a:lnL>
-                      <a:noFill/>
-                    </a:lnL>
-                    <a:lnR>
-                      <a:noFill/>
-                    </a:lnR>
-                    <a:lnT>
-                      <a:noFill/>
-                    </a:lnT>
-                    <a:lnB>
-                      <a:noFill/>
-                    </a:lnB>
-                    <a:solidFill>
-                      <a:schemeClr val="bg1"/>
-                    </a:solidFill>
-                  </a:tcPr>
-                </a:tc>
-                <a:tc>
-                  <a:txBody>
-                    <a:bodyPr/>
-                    <a:lstStyle/>
-                    <a:p>
-                      <a:pPr algn="l" fontAlgn="b"/>
-                      <a:r>
-                        <a:rPr lang="en-US" sz="1100" b="0" i="0" u="none" strike="noStrike">
-                          <a:solidFill>
-                            <a:srgbClr val="000000"/>
-                          </a:solidFill>
-                          <a:effectLst/>
-                          <a:latin typeface="Aptos Narrow" panose="020B0004020202020204" pitchFamily="34" charset="0"/>
-                        </a:rPr>
-                        <a:t>high risk</a:t>
-                      </a:r>
-                    </a:p>
-                  </a:txBody>
-                  <a:tcPr marL="9525" marR="9525" marT="9525" marB="0" anchor="b">
-                    <a:lnL>
-                      <a:noFill/>
-                    </a:lnL>
-                    <a:lnR>
-                      <a:noFill/>
-                    </a:lnR>
-                    <a:lnT>
-                      <a:noFill/>
-                    </a:lnT>
-                    <a:lnB>
-                      <a:noFill/>
-                    </a:lnB>
-                    <a:solidFill>
-                      <a:schemeClr val="bg1"/>
-                    </a:solidFill>
-                  </a:tcPr>
-                </a:tc>
-                <a:extLst>
-                  <a:ext uri="{0D108BD9-81ED-4DB2-BD59-A6C34878D82A}">
-                    <a16:rowId xmlns:a16="http://schemas.microsoft.com/office/drawing/2014/main" val="2185286890"/>
-                  </a:ext>
-                </a:extLst>
-              </a:tr>
-              <a:tr h="190500">
-                <a:tc>
-                  <a:txBody>
-                    <a:bodyPr/>
-                    <a:lstStyle/>
-                    <a:p>
-                      <a:pPr algn="r" fontAlgn="b"/>
-                      <a:r>
-                        <a:rPr lang="en-US" sz="1100" b="0" i="0" u="none" strike="noStrike">
-                          <a:solidFill>
-                            <a:srgbClr val="000000"/>
-                          </a:solidFill>
-                          <a:effectLst/>
-                          <a:latin typeface="Aptos Narrow" panose="020B0004020202020204" pitchFamily="34" charset="0"/>
-                        </a:rPr>
-                        <a:t>35</a:t>
-                      </a:r>
-                    </a:p>
-                  </a:txBody>
-                  <a:tcPr marL="9525" marR="9525" marT="9525" marB="0" anchor="b">
-                    <a:lnL>
-                      <a:noFill/>
-                    </a:lnL>
-                    <a:lnR>
-                      <a:noFill/>
-                    </a:lnR>
-                    <a:lnT>
-                      <a:noFill/>
-                    </a:lnT>
-                    <a:lnB>
-                      <a:noFill/>
-                    </a:lnB>
-                    <a:solidFill>
-                      <a:schemeClr val="bg1"/>
-                    </a:solidFill>
-                  </a:tcPr>
-                </a:tc>
-                <a:tc>
-                  <a:txBody>
-                    <a:bodyPr/>
-                    <a:lstStyle/>
-                    <a:p>
-                      <a:pPr algn="r" fontAlgn="b"/>
-                      <a:r>
-                        <a:rPr lang="en-US" sz="1100" b="0" i="0" u="none" strike="noStrike">
-                          <a:solidFill>
-                            <a:srgbClr val="000000"/>
-                          </a:solidFill>
-                          <a:effectLst/>
-                          <a:latin typeface="Aptos Narrow" panose="020B0004020202020204" pitchFamily="34" charset="0"/>
-                        </a:rPr>
-                        <a:t>120</a:t>
-                      </a:r>
-                    </a:p>
-                  </a:txBody>
-                  <a:tcPr marL="9525" marR="9525" marT="9525" marB="0" anchor="b">
-                    <a:lnL>
-                      <a:noFill/>
-                    </a:lnL>
-                    <a:lnR>
-                      <a:noFill/>
-                    </a:lnR>
-                    <a:lnT>
-                      <a:noFill/>
-                    </a:lnT>
-                    <a:lnB>
-                      <a:noFill/>
-                    </a:lnB>
-                    <a:solidFill>
-                      <a:schemeClr val="bg1"/>
-                    </a:solidFill>
-                  </a:tcPr>
-                </a:tc>
-                <a:tc>
-                  <a:txBody>
-                    <a:bodyPr/>
-                    <a:lstStyle/>
-                    <a:p>
-                      <a:pPr algn="r" fontAlgn="b"/>
-                      <a:r>
-                        <a:rPr lang="en-US" sz="1100" b="0" i="0" u="none" strike="noStrike">
-                          <a:solidFill>
-                            <a:srgbClr val="000000"/>
-                          </a:solidFill>
-                          <a:effectLst/>
-                          <a:latin typeface="Aptos Narrow" panose="020B0004020202020204" pitchFamily="34" charset="0"/>
-                        </a:rPr>
-                        <a:t>60</a:t>
-                      </a:r>
-                    </a:p>
-                  </a:txBody>
-                  <a:tcPr marL="9525" marR="9525" marT="9525" marB="0" anchor="b">
-                    <a:lnL>
-                      <a:noFill/>
-                    </a:lnL>
-                    <a:lnR>
-                      <a:noFill/>
-                    </a:lnR>
-                    <a:lnT>
-                      <a:noFill/>
-                    </a:lnT>
-                    <a:lnB>
-                      <a:noFill/>
-                    </a:lnB>
-                    <a:solidFill>
-                      <a:schemeClr val="bg1"/>
-                    </a:solidFill>
-                  </a:tcPr>
-                </a:tc>
-                <a:tc>
-                  <a:txBody>
-                    <a:bodyPr/>
-                    <a:lstStyle/>
-                    <a:p>
-                      <a:pPr algn="r" fontAlgn="b"/>
-                      <a:r>
-                        <a:rPr lang="en-US" sz="1100" b="0" i="0" u="none" strike="noStrike">
-                          <a:solidFill>
-                            <a:srgbClr val="000000"/>
-                          </a:solidFill>
-                          <a:effectLst/>
-                          <a:latin typeface="Aptos Narrow" panose="020B0004020202020204" pitchFamily="34" charset="0"/>
-                        </a:rPr>
-                        <a:t>6.1</a:t>
-                      </a:r>
-                    </a:p>
-                  </a:txBody>
-                  <a:tcPr marL="9525" marR="9525" marT="9525" marB="0" anchor="b">
-                    <a:lnL>
-                      <a:noFill/>
-                    </a:lnL>
-                    <a:lnR>
-                      <a:noFill/>
-                    </a:lnR>
-                    <a:lnT>
-                      <a:noFill/>
-                    </a:lnT>
-                    <a:lnB>
-                      <a:noFill/>
-                    </a:lnB>
-                    <a:solidFill>
-                      <a:schemeClr val="bg1"/>
-                    </a:solidFill>
-                  </a:tcPr>
-                </a:tc>
-                <a:tc>
-                  <a:txBody>
-                    <a:bodyPr/>
-                    <a:lstStyle/>
-                    <a:p>
-                      <a:pPr algn="r" fontAlgn="b"/>
-                      <a:r>
-                        <a:rPr lang="en-US" sz="1100" b="0" i="0" u="none" strike="noStrike">
-                          <a:solidFill>
-                            <a:srgbClr val="000000"/>
-                          </a:solidFill>
-                          <a:effectLst/>
-                          <a:latin typeface="Aptos Narrow" panose="020B0004020202020204" pitchFamily="34" charset="0"/>
-                        </a:rPr>
-                        <a:t>98</a:t>
-                      </a:r>
-                    </a:p>
-                  </a:txBody>
-                  <a:tcPr marL="9525" marR="9525" marT="9525" marB="0" anchor="b">
-                    <a:lnL>
-                      <a:noFill/>
-                    </a:lnL>
-                    <a:lnR>
-                      <a:noFill/>
-                    </a:lnR>
-                    <a:lnT>
-                      <a:noFill/>
-                    </a:lnT>
-                    <a:lnB>
-                      <a:noFill/>
-                    </a:lnB>
-                    <a:solidFill>
-                      <a:schemeClr val="bg1"/>
-                    </a:solidFill>
-                  </a:tcPr>
-                </a:tc>
-                <a:tc>
-                  <a:txBody>
-                    <a:bodyPr/>
-                    <a:lstStyle/>
-                    <a:p>
-                      <a:pPr algn="r" fontAlgn="b"/>
-                      <a:r>
-                        <a:rPr lang="en-US" sz="1100" b="0" i="0" u="none" strike="noStrike">
-                          <a:solidFill>
-                            <a:srgbClr val="000000"/>
-                          </a:solidFill>
-                          <a:effectLst/>
-                          <a:latin typeface="Aptos Narrow" panose="020B0004020202020204" pitchFamily="34" charset="0"/>
-                        </a:rPr>
-                        <a:t>76</a:t>
-                      </a:r>
-                    </a:p>
-                  </a:txBody>
-                  <a:tcPr marL="9525" marR="9525" marT="9525" marB="0" anchor="b">
-                    <a:lnL>
-                      <a:noFill/>
-                    </a:lnL>
-                    <a:lnR>
-                      <a:noFill/>
-                    </a:lnR>
-                    <a:lnT>
-                      <a:noFill/>
-                    </a:lnT>
-                    <a:lnB>
-                      <a:noFill/>
-                    </a:lnB>
-                    <a:solidFill>
-                      <a:schemeClr val="bg1"/>
-                    </a:solidFill>
-                  </a:tcPr>
-                </a:tc>
-                <a:tc>
-                  <a:txBody>
-                    <a:bodyPr/>
-                    <a:lstStyle/>
-                    <a:p>
-                      <a:pPr algn="l" fontAlgn="b"/>
-                      <a:r>
-                        <a:rPr lang="en-US" sz="1100" b="0" i="0" u="none" strike="noStrike">
-                          <a:solidFill>
-                            <a:srgbClr val="000000"/>
-                          </a:solidFill>
-                          <a:effectLst/>
-                          <a:latin typeface="Aptos Narrow" panose="020B0004020202020204" pitchFamily="34" charset="0"/>
-                        </a:rPr>
-                        <a:t>low risk</a:t>
-                      </a:r>
-                    </a:p>
-                  </a:txBody>
-                  <a:tcPr marL="9525" marR="9525" marT="9525" marB="0" anchor="b">
-                    <a:lnL>
-                      <a:noFill/>
-                    </a:lnL>
-                    <a:lnR>
-                      <a:noFill/>
-                    </a:lnR>
-                    <a:lnT>
-                      <a:noFill/>
-                    </a:lnT>
-                    <a:lnB>
-                      <a:noFill/>
-                    </a:lnB>
-                    <a:solidFill>
-                      <a:schemeClr val="bg1"/>
-                    </a:solidFill>
-                  </a:tcPr>
-                </a:tc>
-                <a:extLst>
-                  <a:ext uri="{0D108BD9-81ED-4DB2-BD59-A6C34878D82A}">
-                    <a16:rowId xmlns:a16="http://schemas.microsoft.com/office/drawing/2014/main" val="1345498797"/>
-                  </a:ext>
-                </a:extLst>
-              </a:tr>
-              <a:tr h="190500">
-                <a:tc>
-                  <a:txBody>
-                    <a:bodyPr/>
-                    <a:lstStyle/>
-                    <a:p>
-                      <a:pPr algn="r" fontAlgn="b"/>
-                      <a:r>
-                        <a:rPr lang="en-US" sz="1100" b="0" i="0" u="none" strike="noStrike">
-                          <a:solidFill>
-                            <a:srgbClr val="000000"/>
-                          </a:solidFill>
-                          <a:effectLst/>
-                          <a:latin typeface="Aptos Narrow" panose="020B0004020202020204" pitchFamily="34" charset="0"/>
-                        </a:rPr>
-                        <a:t>23</a:t>
-                      </a:r>
-                    </a:p>
-                  </a:txBody>
-                  <a:tcPr marL="9525" marR="9525" marT="9525" marB="0" anchor="b">
-                    <a:lnL>
-                      <a:noFill/>
-                    </a:lnL>
-                    <a:lnR>
-                      <a:noFill/>
-                    </a:lnR>
-                    <a:lnT>
-                      <a:noFill/>
-                    </a:lnT>
-                    <a:lnB>
-                      <a:noFill/>
-                    </a:lnB>
-                    <a:solidFill>
-                      <a:schemeClr val="bg1"/>
-                    </a:solidFill>
-                  </a:tcPr>
-                </a:tc>
-                <a:tc>
-                  <a:txBody>
-                    <a:bodyPr/>
-                    <a:lstStyle/>
-                    <a:p>
-                      <a:pPr algn="r" fontAlgn="b"/>
-                      <a:r>
-                        <a:rPr lang="en-US" sz="1100" b="0" i="0" u="none" strike="noStrike">
-                          <a:solidFill>
-                            <a:srgbClr val="000000"/>
-                          </a:solidFill>
-                          <a:effectLst/>
-                          <a:latin typeface="Aptos Narrow" panose="020B0004020202020204" pitchFamily="34" charset="0"/>
-                        </a:rPr>
-                        <a:t>140</a:t>
-                      </a:r>
-                    </a:p>
-                  </a:txBody>
-                  <a:tcPr marL="9525" marR="9525" marT="9525" marB="0" anchor="b">
-                    <a:lnL>
-                      <a:noFill/>
-                    </a:lnL>
-                    <a:lnR>
-                      <a:noFill/>
-                    </a:lnR>
-                    <a:lnT>
-                      <a:noFill/>
-                    </a:lnT>
-                    <a:lnB>
-                      <a:noFill/>
-                    </a:lnB>
-                    <a:solidFill>
-                      <a:schemeClr val="bg1"/>
-                    </a:solidFill>
-                  </a:tcPr>
-                </a:tc>
-                <a:tc>
-                  <a:txBody>
-                    <a:bodyPr/>
-                    <a:lstStyle/>
-                    <a:p>
-                      <a:pPr algn="r" fontAlgn="b"/>
-                      <a:r>
-                        <a:rPr lang="en-US" sz="1100" b="0" i="0" u="none" strike="noStrike">
-                          <a:solidFill>
-                            <a:srgbClr val="000000"/>
-                          </a:solidFill>
-                          <a:effectLst/>
-                          <a:latin typeface="Aptos Narrow" panose="020B0004020202020204" pitchFamily="34" charset="0"/>
-                        </a:rPr>
-                        <a:t>80</a:t>
-                      </a:r>
-                    </a:p>
-                  </a:txBody>
-                  <a:tcPr marL="9525" marR="9525" marT="9525" marB="0" anchor="b">
-                    <a:lnL>
-                      <a:noFill/>
-                    </a:lnL>
-                    <a:lnR>
-                      <a:noFill/>
-                    </a:lnR>
-                    <a:lnT>
-                      <a:noFill/>
-                    </a:lnT>
-                    <a:lnB>
-                      <a:noFill/>
-                    </a:lnB>
-                    <a:solidFill>
-                      <a:schemeClr val="bg1"/>
-                    </a:solidFill>
-                  </a:tcPr>
-                </a:tc>
-                <a:tc>
-                  <a:txBody>
-                    <a:bodyPr/>
-                    <a:lstStyle/>
-                    <a:p>
-                      <a:pPr algn="r" fontAlgn="b"/>
-                      <a:r>
-                        <a:rPr lang="en-US" sz="1100" b="0" i="0" u="none" strike="noStrike">
-                          <a:solidFill>
-                            <a:srgbClr val="000000"/>
-                          </a:solidFill>
-                          <a:effectLst/>
-                          <a:latin typeface="Aptos Narrow" panose="020B0004020202020204" pitchFamily="34" charset="0"/>
-                        </a:rPr>
-                        <a:t>7.01</a:t>
-                      </a:r>
-                    </a:p>
-                  </a:txBody>
-                  <a:tcPr marL="9525" marR="9525" marT="9525" marB="0" anchor="b">
-                    <a:lnL>
-                      <a:noFill/>
-                    </a:lnL>
-                    <a:lnR>
-                      <a:noFill/>
-                    </a:lnR>
-                    <a:lnT>
-                      <a:noFill/>
-                    </a:lnT>
-                    <a:lnB>
-                      <a:noFill/>
-                    </a:lnB>
-                    <a:solidFill>
-                      <a:schemeClr val="bg1"/>
-                    </a:solidFill>
-                  </a:tcPr>
-                </a:tc>
-                <a:tc>
-                  <a:txBody>
-                    <a:bodyPr/>
-                    <a:lstStyle/>
-                    <a:p>
-                      <a:pPr algn="r" fontAlgn="b"/>
-                      <a:r>
-                        <a:rPr lang="en-US" sz="1100" b="0" i="0" u="none" strike="noStrike">
-                          <a:solidFill>
-                            <a:srgbClr val="000000"/>
-                          </a:solidFill>
-                          <a:effectLst/>
-                          <a:latin typeface="Aptos Narrow" panose="020B0004020202020204" pitchFamily="34" charset="0"/>
-                        </a:rPr>
-                        <a:t>98</a:t>
-                      </a:r>
-                    </a:p>
-                  </a:txBody>
-                  <a:tcPr marL="9525" marR="9525" marT="9525" marB="0" anchor="b">
-                    <a:lnL>
-                      <a:noFill/>
-                    </a:lnL>
-                    <a:lnR>
-                      <a:noFill/>
-                    </a:lnR>
-                    <a:lnT>
-                      <a:noFill/>
-                    </a:lnT>
-                    <a:lnB>
-                      <a:noFill/>
-                    </a:lnB>
-                    <a:solidFill>
-                      <a:schemeClr val="bg1"/>
-                    </a:solidFill>
-                  </a:tcPr>
-                </a:tc>
-                <a:tc>
-                  <a:txBody>
-                    <a:bodyPr/>
-                    <a:lstStyle/>
-                    <a:p>
-                      <a:pPr algn="r" fontAlgn="b"/>
-                      <a:r>
-                        <a:rPr lang="en-US" sz="1100" b="0" i="0" u="none" strike="noStrike">
-                          <a:solidFill>
-                            <a:srgbClr val="000000"/>
-                          </a:solidFill>
-                          <a:effectLst/>
-                          <a:latin typeface="Aptos Narrow" panose="020B0004020202020204" pitchFamily="34" charset="0"/>
-                        </a:rPr>
-                        <a:t>70</a:t>
-                      </a:r>
-                    </a:p>
-                  </a:txBody>
-                  <a:tcPr marL="9525" marR="9525" marT="9525" marB="0" anchor="b">
-                    <a:lnL>
-                      <a:noFill/>
-                    </a:lnL>
-                    <a:lnR>
-                      <a:noFill/>
-                    </a:lnR>
-                    <a:lnT>
-                      <a:noFill/>
-                    </a:lnT>
-                    <a:lnB>
-                      <a:noFill/>
-                    </a:lnB>
-                    <a:solidFill>
-                      <a:schemeClr val="bg1"/>
-                    </a:solidFill>
-                  </a:tcPr>
-                </a:tc>
-                <a:tc>
-                  <a:txBody>
-                    <a:bodyPr/>
-                    <a:lstStyle/>
-                    <a:p>
-                      <a:pPr algn="l" fontAlgn="b"/>
-                      <a:r>
-                        <a:rPr lang="en-US" sz="1100" b="0" i="0" u="none" strike="noStrike">
-                          <a:solidFill>
-                            <a:srgbClr val="000000"/>
-                          </a:solidFill>
-                          <a:effectLst/>
-                          <a:latin typeface="Aptos Narrow" panose="020B0004020202020204" pitchFamily="34" charset="0"/>
-                        </a:rPr>
-                        <a:t>high risk</a:t>
-                      </a:r>
-                    </a:p>
-                  </a:txBody>
-                  <a:tcPr marL="9525" marR="9525" marT="9525" marB="0" anchor="b">
-                    <a:lnL>
-                      <a:noFill/>
-                    </a:lnL>
-                    <a:lnR>
-                      <a:noFill/>
-                    </a:lnR>
-                    <a:lnT>
-                      <a:noFill/>
-                    </a:lnT>
-                    <a:lnB>
-                      <a:noFill/>
-                    </a:lnB>
-                    <a:solidFill>
-                      <a:schemeClr val="bg1"/>
-                    </a:solidFill>
-                  </a:tcPr>
-                </a:tc>
-                <a:extLst>
-                  <a:ext uri="{0D108BD9-81ED-4DB2-BD59-A6C34878D82A}">
-                    <a16:rowId xmlns:a16="http://schemas.microsoft.com/office/drawing/2014/main" val="1076389416"/>
-                  </a:ext>
-                </a:extLst>
-              </a:tr>
-              <a:tr h="190500">
-                <a:tc>
-                  <a:txBody>
-                    <a:bodyPr/>
-                    <a:lstStyle/>
-                    <a:p>
-                      <a:pPr algn="r" fontAlgn="b"/>
-                      <a:r>
-                        <a:rPr lang="en-US" sz="1100" b="0" i="0" u="none" strike="noStrike">
-                          <a:solidFill>
-                            <a:srgbClr val="000000"/>
-                          </a:solidFill>
-                          <a:effectLst/>
-                          <a:latin typeface="Aptos Narrow" panose="020B0004020202020204" pitchFamily="34" charset="0"/>
-                        </a:rPr>
-                        <a:t>23</a:t>
-                      </a:r>
-                    </a:p>
-                  </a:txBody>
-                  <a:tcPr marL="9525" marR="9525" marT="9525" marB="0" anchor="b">
-                    <a:lnL>
-                      <a:noFill/>
-                    </a:lnL>
-                    <a:lnR>
-                      <a:noFill/>
-                    </a:lnR>
-                    <a:lnT>
-                      <a:noFill/>
-                    </a:lnT>
-                    <a:lnB>
-                      <a:noFill/>
-                    </a:lnB>
-                    <a:solidFill>
-                      <a:schemeClr val="bg1"/>
-                    </a:solidFill>
-                  </a:tcPr>
-                </a:tc>
-                <a:tc>
-                  <a:txBody>
-                    <a:bodyPr/>
-                    <a:lstStyle/>
-                    <a:p>
-                      <a:pPr algn="r" fontAlgn="b"/>
-                      <a:r>
-                        <a:rPr lang="en-US" sz="1100" b="0" i="0" u="none" strike="noStrike">
-                          <a:solidFill>
-                            <a:srgbClr val="000000"/>
-                          </a:solidFill>
-                          <a:effectLst/>
-                          <a:latin typeface="Aptos Narrow" panose="020B0004020202020204" pitchFamily="34" charset="0"/>
-                        </a:rPr>
-                        <a:t>130</a:t>
-                      </a:r>
-                    </a:p>
-                  </a:txBody>
-                  <a:tcPr marL="9525" marR="9525" marT="9525" marB="0" anchor="b">
-                    <a:lnL>
-                      <a:noFill/>
-                    </a:lnL>
-                    <a:lnR>
-                      <a:noFill/>
-                    </a:lnR>
-                    <a:lnT>
-                      <a:noFill/>
-                    </a:lnT>
-                    <a:lnB>
-                      <a:noFill/>
-                    </a:lnB>
-                    <a:solidFill>
-                      <a:schemeClr val="bg1"/>
-                    </a:solidFill>
-                  </a:tcPr>
-                </a:tc>
-                <a:tc>
-                  <a:txBody>
-                    <a:bodyPr/>
-                    <a:lstStyle/>
-                    <a:p>
-                      <a:pPr algn="r" fontAlgn="b"/>
-                      <a:r>
-                        <a:rPr lang="en-US" sz="1100" b="0" i="0" u="none" strike="noStrike">
-                          <a:solidFill>
-                            <a:srgbClr val="000000"/>
-                          </a:solidFill>
-                          <a:effectLst/>
-                          <a:latin typeface="Aptos Narrow" panose="020B0004020202020204" pitchFamily="34" charset="0"/>
-                        </a:rPr>
-                        <a:t>70</a:t>
-                      </a:r>
-                    </a:p>
-                  </a:txBody>
-                  <a:tcPr marL="9525" marR="9525" marT="9525" marB="0" anchor="b">
-                    <a:lnL>
-                      <a:noFill/>
-                    </a:lnL>
-                    <a:lnR>
-                      <a:noFill/>
-                    </a:lnR>
-                    <a:lnT>
-                      <a:noFill/>
-                    </a:lnT>
-                    <a:lnB>
-                      <a:noFill/>
-                    </a:lnB>
-                    <a:solidFill>
-                      <a:schemeClr val="bg1"/>
-                    </a:solidFill>
-                  </a:tcPr>
-                </a:tc>
-                <a:tc>
-                  <a:txBody>
-                    <a:bodyPr/>
-                    <a:lstStyle/>
-                    <a:p>
-                      <a:pPr algn="r" fontAlgn="b"/>
-                      <a:r>
-                        <a:rPr lang="en-US" sz="1100" b="0" i="0" u="none" strike="noStrike">
-                          <a:solidFill>
-                            <a:srgbClr val="000000"/>
-                          </a:solidFill>
-                          <a:effectLst/>
-                          <a:latin typeface="Aptos Narrow" panose="020B0004020202020204" pitchFamily="34" charset="0"/>
-                        </a:rPr>
-                        <a:t>7.01</a:t>
-                      </a:r>
-                    </a:p>
-                  </a:txBody>
-                  <a:tcPr marL="9525" marR="9525" marT="9525" marB="0" anchor="b">
-                    <a:lnL>
-                      <a:noFill/>
-                    </a:lnL>
-                    <a:lnR>
-                      <a:noFill/>
-                    </a:lnR>
-                    <a:lnT>
-                      <a:noFill/>
-                    </a:lnT>
-                    <a:lnB>
-                      <a:noFill/>
-                    </a:lnB>
-                    <a:solidFill>
-                      <a:schemeClr val="bg1"/>
-                    </a:solidFill>
-                  </a:tcPr>
-                </a:tc>
-                <a:tc>
-                  <a:txBody>
-                    <a:bodyPr/>
-                    <a:lstStyle/>
-                    <a:p>
-                      <a:pPr algn="r" fontAlgn="b"/>
-                      <a:r>
-                        <a:rPr lang="en-US" sz="1100" b="0" i="0" u="none" strike="noStrike">
-                          <a:solidFill>
-                            <a:srgbClr val="000000"/>
-                          </a:solidFill>
-                          <a:effectLst/>
-                          <a:latin typeface="Aptos Narrow" panose="020B0004020202020204" pitchFamily="34" charset="0"/>
-                        </a:rPr>
-                        <a:t>98</a:t>
-                      </a:r>
-                    </a:p>
-                  </a:txBody>
-                  <a:tcPr marL="9525" marR="9525" marT="9525" marB="0" anchor="b">
-                    <a:lnL>
-                      <a:noFill/>
-                    </a:lnL>
-                    <a:lnR>
-                      <a:noFill/>
-                    </a:lnR>
-                    <a:lnT>
-                      <a:noFill/>
-                    </a:lnT>
-                    <a:lnB>
-                      <a:noFill/>
-                    </a:lnB>
-                    <a:solidFill>
-                      <a:schemeClr val="bg1"/>
-                    </a:solidFill>
-                  </a:tcPr>
-                </a:tc>
-                <a:tc>
-                  <a:txBody>
-                    <a:bodyPr/>
-                    <a:lstStyle/>
-                    <a:p>
-                      <a:pPr algn="r" fontAlgn="b"/>
-                      <a:r>
-                        <a:rPr lang="en-US" sz="1100" b="0" i="0" u="none" strike="noStrike">
-                          <a:solidFill>
-                            <a:srgbClr val="000000"/>
-                          </a:solidFill>
-                          <a:effectLst/>
-                          <a:latin typeface="Aptos Narrow" panose="020B0004020202020204" pitchFamily="34" charset="0"/>
-                        </a:rPr>
-                        <a:t>78</a:t>
-                      </a:r>
-                    </a:p>
-                  </a:txBody>
-                  <a:tcPr marL="9525" marR="9525" marT="9525" marB="0" anchor="b">
-                    <a:lnL>
-                      <a:noFill/>
-                    </a:lnL>
-                    <a:lnR>
-                      <a:noFill/>
-                    </a:lnR>
-                    <a:lnT>
-                      <a:noFill/>
-                    </a:lnT>
-                    <a:lnB>
-                      <a:noFill/>
-                    </a:lnB>
-                    <a:solidFill>
-                      <a:schemeClr val="bg1"/>
-                    </a:solidFill>
-                  </a:tcPr>
-                </a:tc>
-                <a:tc>
-                  <a:txBody>
-                    <a:bodyPr/>
-                    <a:lstStyle/>
-                    <a:p>
-                      <a:pPr algn="l" fontAlgn="b"/>
-                      <a:r>
-                        <a:rPr lang="en-US" sz="1100" b="0" i="0" u="none" strike="noStrike">
-                          <a:solidFill>
-                            <a:srgbClr val="000000"/>
-                          </a:solidFill>
-                          <a:effectLst/>
-                          <a:latin typeface="Aptos Narrow" panose="020B0004020202020204" pitchFamily="34" charset="0"/>
-                        </a:rPr>
-                        <a:t>mid risk</a:t>
-                      </a:r>
-                    </a:p>
-                  </a:txBody>
-                  <a:tcPr marL="9525" marR="9525" marT="9525" marB="0" anchor="b">
-                    <a:lnL>
-                      <a:noFill/>
-                    </a:lnL>
-                    <a:lnR>
-                      <a:noFill/>
-                    </a:lnR>
-                    <a:lnT>
-                      <a:noFill/>
-                    </a:lnT>
-                    <a:lnB>
-                      <a:noFill/>
-                    </a:lnB>
-                    <a:solidFill>
-                      <a:schemeClr val="bg1"/>
-                    </a:solidFill>
-                  </a:tcPr>
-                </a:tc>
-                <a:extLst>
-                  <a:ext uri="{0D108BD9-81ED-4DB2-BD59-A6C34878D82A}">
-                    <a16:rowId xmlns:a16="http://schemas.microsoft.com/office/drawing/2014/main" val="1252815850"/>
-                  </a:ext>
-                </a:extLst>
-              </a:tr>
-              <a:tr h="190500">
-                <a:tc>
-                  <a:txBody>
-                    <a:bodyPr/>
-                    <a:lstStyle/>
-                    <a:p>
-                      <a:pPr algn="r" fontAlgn="b"/>
-                      <a:r>
-                        <a:rPr lang="en-US" sz="1100" b="0" i="0" u="none" strike="noStrike">
-                          <a:solidFill>
-                            <a:srgbClr val="000000"/>
-                          </a:solidFill>
-                          <a:effectLst/>
-                          <a:latin typeface="Aptos Narrow" panose="020B0004020202020204" pitchFamily="34" charset="0"/>
-                        </a:rPr>
-                        <a:t>35</a:t>
-                      </a:r>
-                    </a:p>
-                  </a:txBody>
-                  <a:tcPr marL="9525" marR="9525" marT="9525" marB="0" anchor="b">
-                    <a:lnL>
-                      <a:noFill/>
-                    </a:lnL>
-                    <a:lnR>
-                      <a:noFill/>
-                    </a:lnR>
-                    <a:lnT>
-                      <a:noFill/>
-                    </a:lnT>
-                    <a:lnB>
-                      <a:noFill/>
-                    </a:lnB>
-                    <a:solidFill>
-                      <a:schemeClr val="bg1"/>
-                    </a:solidFill>
-                  </a:tcPr>
-                </a:tc>
-                <a:tc>
-                  <a:txBody>
-                    <a:bodyPr/>
-                    <a:lstStyle/>
-                    <a:p>
-                      <a:pPr algn="r" fontAlgn="b"/>
-                      <a:r>
-                        <a:rPr lang="en-US" sz="1100" b="0" i="0" u="none" strike="noStrike">
-                          <a:solidFill>
-                            <a:srgbClr val="000000"/>
-                          </a:solidFill>
-                          <a:effectLst/>
-                          <a:latin typeface="Aptos Narrow" panose="020B0004020202020204" pitchFamily="34" charset="0"/>
-                        </a:rPr>
-                        <a:t>85</a:t>
-                      </a:r>
-                    </a:p>
-                  </a:txBody>
-                  <a:tcPr marL="9525" marR="9525" marT="9525" marB="0" anchor="b">
-                    <a:lnL>
-                      <a:noFill/>
-                    </a:lnL>
-                    <a:lnR>
-                      <a:noFill/>
-                    </a:lnR>
-                    <a:lnT>
-                      <a:noFill/>
-                    </a:lnT>
-                    <a:lnB>
-                      <a:noFill/>
-                    </a:lnB>
-                    <a:solidFill>
-                      <a:schemeClr val="bg1"/>
-                    </a:solidFill>
-                  </a:tcPr>
-                </a:tc>
-                <a:tc>
-                  <a:txBody>
-                    <a:bodyPr/>
-                    <a:lstStyle/>
-                    <a:p>
-                      <a:pPr algn="r" fontAlgn="b"/>
-                      <a:r>
-                        <a:rPr lang="en-US" sz="1100" b="0" i="0" u="none" strike="noStrike">
-                          <a:solidFill>
-                            <a:srgbClr val="000000"/>
-                          </a:solidFill>
-                          <a:effectLst/>
-                          <a:latin typeface="Aptos Narrow" panose="020B0004020202020204" pitchFamily="34" charset="0"/>
-                        </a:rPr>
-                        <a:t>60</a:t>
-                      </a:r>
-                    </a:p>
-                  </a:txBody>
-                  <a:tcPr marL="9525" marR="9525" marT="9525" marB="0" anchor="b">
-                    <a:lnL>
-                      <a:noFill/>
-                    </a:lnL>
-                    <a:lnR>
-                      <a:noFill/>
-                    </a:lnR>
-                    <a:lnT>
-                      <a:noFill/>
-                    </a:lnT>
-                    <a:lnB>
-                      <a:noFill/>
-                    </a:lnB>
-                    <a:solidFill>
-                      <a:schemeClr val="bg1"/>
-                    </a:solidFill>
-                  </a:tcPr>
-                </a:tc>
-                <a:tc>
-                  <a:txBody>
-                    <a:bodyPr/>
-                    <a:lstStyle/>
-                    <a:p>
-                      <a:pPr algn="r" fontAlgn="b"/>
-                      <a:r>
-                        <a:rPr lang="en-US" sz="1100" b="0" i="0" u="none" strike="noStrike">
-                          <a:solidFill>
-                            <a:srgbClr val="000000"/>
-                          </a:solidFill>
-                          <a:effectLst/>
-                          <a:latin typeface="Aptos Narrow" panose="020B0004020202020204" pitchFamily="34" charset="0"/>
-                        </a:rPr>
-                        <a:t>11</a:t>
-                      </a:r>
-                    </a:p>
-                  </a:txBody>
-                  <a:tcPr marL="9525" marR="9525" marT="9525" marB="0" anchor="b">
-                    <a:lnL>
-                      <a:noFill/>
-                    </a:lnL>
-                    <a:lnR>
-                      <a:noFill/>
-                    </a:lnR>
-                    <a:lnT>
-                      <a:noFill/>
-                    </a:lnT>
-                    <a:lnB>
-                      <a:noFill/>
-                    </a:lnB>
-                    <a:solidFill>
-                      <a:schemeClr val="bg1"/>
-                    </a:solidFill>
-                  </a:tcPr>
-                </a:tc>
-                <a:tc>
-                  <a:txBody>
-                    <a:bodyPr/>
-                    <a:lstStyle/>
-                    <a:p>
-                      <a:pPr algn="r" fontAlgn="b"/>
-                      <a:r>
-                        <a:rPr lang="en-US" sz="1100" b="0" i="0" u="none" strike="noStrike">
-                          <a:solidFill>
-                            <a:srgbClr val="000000"/>
-                          </a:solidFill>
-                          <a:effectLst/>
-                          <a:latin typeface="Aptos Narrow" panose="020B0004020202020204" pitchFamily="34" charset="0"/>
-                        </a:rPr>
-                        <a:t>102</a:t>
-                      </a:r>
-                    </a:p>
-                  </a:txBody>
-                  <a:tcPr marL="9525" marR="9525" marT="9525" marB="0" anchor="b">
-                    <a:lnL>
-                      <a:noFill/>
-                    </a:lnL>
-                    <a:lnR>
-                      <a:noFill/>
-                    </a:lnR>
-                    <a:lnT>
-                      <a:noFill/>
-                    </a:lnT>
-                    <a:lnB>
-                      <a:noFill/>
-                    </a:lnB>
-                    <a:solidFill>
-                      <a:schemeClr val="bg1"/>
-                    </a:solidFill>
-                  </a:tcPr>
-                </a:tc>
-                <a:tc>
-                  <a:txBody>
-                    <a:bodyPr/>
-                    <a:lstStyle/>
-                    <a:p>
-                      <a:pPr algn="r" fontAlgn="b"/>
-                      <a:r>
-                        <a:rPr lang="en-US" sz="1100" b="0" i="0" u="none" strike="noStrike">
-                          <a:solidFill>
-                            <a:srgbClr val="000000"/>
-                          </a:solidFill>
-                          <a:effectLst/>
-                          <a:latin typeface="Aptos Narrow" panose="020B0004020202020204" pitchFamily="34" charset="0"/>
-                        </a:rPr>
-                        <a:t>86</a:t>
-                      </a:r>
-                    </a:p>
-                  </a:txBody>
-                  <a:tcPr marL="9525" marR="9525" marT="9525" marB="0" anchor="b">
-                    <a:lnL>
-                      <a:noFill/>
-                    </a:lnL>
-                    <a:lnR>
-                      <a:noFill/>
-                    </a:lnR>
-                    <a:lnT>
-                      <a:noFill/>
-                    </a:lnT>
-                    <a:lnB>
-                      <a:noFill/>
-                    </a:lnB>
-                    <a:solidFill>
-                      <a:schemeClr val="bg1"/>
-                    </a:solidFill>
-                  </a:tcPr>
-                </a:tc>
-                <a:tc>
-                  <a:txBody>
-                    <a:bodyPr/>
-                    <a:lstStyle/>
-                    <a:p>
-                      <a:pPr algn="l" fontAlgn="b"/>
-                      <a:r>
-                        <a:rPr lang="en-US" sz="1100" b="0" i="0" u="none" strike="noStrike">
-                          <a:solidFill>
-                            <a:srgbClr val="000000"/>
-                          </a:solidFill>
-                          <a:effectLst/>
-                          <a:latin typeface="Aptos Narrow" panose="020B0004020202020204" pitchFamily="34" charset="0"/>
-                        </a:rPr>
-                        <a:t>high risk</a:t>
-                      </a:r>
-                    </a:p>
-                  </a:txBody>
-                  <a:tcPr marL="9525" marR="9525" marT="9525" marB="0" anchor="b">
-                    <a:lnL>
-                      <a:noFill/>
-                    </a:lnL>
-                    <a:lnR>
-                      <a:noFill/>
-                    </a:lnR>
-                    <a:lnT>
-                      <a:noFill/>
-                    </a:lnT>
-                    <a:lnB>
-                      <a:noFill/>
-                    </a:lnB>
-                    <a:solidFill>
-                      <a:schemeClr val="bg1"/>
-                    </a:solidFill>
-                  </a:tcPr>
-                </a:tc>
-                <a:extLst>
-                  <a:ext uri="{0D108BD9-81ED-4DB2-BD59-A6C34878D82A}">
-                    <a16:rowId xmlns:a16="http://schemas.microsoft.com/office/drawing/2014/main" val="2999166518"/>
-                  </a:ext>
-                </a:extLst>
-              </a:tr>
-              <a:tr h="190500">
-                <a:tc>
-                  <a:txBody>
-                    <a:bodyPr/>
-                    <a:lstStyle/>
-                    <a:p>
-                      <a:pPr algn="r" fontAlgn="b"/>
-                      <a:r>
-                        <a:rPr lang="en-US" sz="1100" b="0" i="0" u="none" strike="noStrike">
-                          <a:solidFill>
-                            <a:srgbClr val="000000"/>
-                          </a:solidFill>
-                          <a:effectLst/>
-                          <a:latin typeface="Aptos Narrow" panose="020B0004020202020204" pitchFamily="34" charset="0"/>
-                        </a:rPr>
-                        <a:t>32</a:t>
-                      </a:r>
-                    </a:p>
-                  </a:txBody>
-                  <a:tcPr marL="9525" marR="9525" marT="9525" marB="0" anchor="b">
-                    <a:lnL>
-                      <a:noFill/>
-                    </a:lnL>
-                    <a:lnR>
-                      <a:noFill/>
-                    </a:lnR>
-                    <a:lnT>
-                      <a:noFill/>
-                    </a:lnT>
-                    <a:lnB>
-                      <a:noFill/>
-                    </a:lnB>
-                    <a:solidFill>
-                      <a:schemeClr val="bg1"/>
-                    </a:solidFill>
-                  </a:tcPr>
-                </a:tc>
-                <a:tc>
-                  <a:txBody>
-                    <a:bodyPr/>
-                    <a:lstStyle/>
-                    <a:p>
-                      <a:pPr algn="r" fontAlgn="b"/>
-                      <a:r>
-                        <a:rPr lang="en-US" sz="1100" b="0" i="0" u="none" strike="noStrike">
-                          <a:solidFill>
-                            <a:srgbClr val="000000"/>
-                          </a:solidFill>
-                          <a:effectLst/>
-                          <a:latin typeface="Aptos Narrow" panose="020B0004020202020204" pitchFamily="34" charset="0"/>
-                        </a:rPr>
-                        <a:t>120</a:t>
-                      </a:r>
-                    </a:p>
-                  </a:txBody>
-                  <a:tcPr marL="9525" marR="9525" marT="9525" marB="0" anchor="b">
-                    <a:lnL>
-                      <a:noFill/>
-                    </a:lnL>
-                    <a:lnR>
-                      <a:noFill/>
-                    </a:lnR>
-                    <a:lnT>
-                      <a:noFill/>
-                    </a:lnT>
-                    <a:lnB>
-                      <a:noFill/>
-                    </a:lnB>
-                    <a:solidFill>
-                      <a:schemeClr val="bg1"/>
-                    </a:solidFill>
-                  </a:tcPr>
-                </a:tc>
-                <a:tc>
-                  <a:txBody>
-                    <a:bodyPr/>
-                    <a:lstStyle/>
-                    <a:p>
-                      <a:pPr algn="r" fontAlgn="b"/>
-                      <a:r>
-                        <a:rPr lang="en-US" sz="1100" b="0" i="0" u="none" strike="noStrike">
-                          <a:solidFill>
-                            <a:srgbClr val="000000"/>
-                          </a:solidFill>
-                          <a:effectLst/>
-                          <a:latin typeface="Aptos Narrow" panose="020B0004020202020204" pitchFamily="34" charset="0"/>
-                        </a:rPr>
-                        <a:t>90</a:t>
-                      </a:r>
-                    </a:p>
-                  </a:txBody>
-                  <a:tcPr marL="9525" marR="9525" marT="9525" marB="0" anchor="b">
-                    <a:lnL>
-                      <a:noFill/>
-                    </a:lnL>
-                    <a:lnR>
-                      <a:noFill/>
-                    </a:lnR>
-                    <a:lnT>
-                      <a:noFill/>
-                    </a:lnT>
-                    <a:lnB>
-                      <a:noFill/>
-                    </a:lnB>
-                    <a:solidFill>
-                      <a:schemeClr val="bg1"/>
-                    </a:solidFill>
-                  </a:tcPr>
-                </a:tc>
-                <a:tc>
-                  <a:txBody>
-                    <a:bodyPr/>
-                    <a:lstStyle/>
-                    <a:p>
-                      <a:pPr algn="r" fontAlgn="b"/>
-                      <a:r>
-                        <a:rPr lang="en-US" sz="1100" b="0" i="0" u="none" strike="noStrike">
-                          <a:solidFill>
-                            <a:srgbClr val="000000"/>
-                          </a:solidFill>
-                          <a:effectLst/>
-                          <a:latin typeface="Aptos Narrow" panose="020B0004020202020204" pitchFamily="34" charset="0"/>
-                        </a:rPr>
-                        <a:t>6.9</a:t>
-                      </a:r>
-                    </a:p>
-                  </a:txBody>
-                  <a:tcPr marL="9525" marR="9525" marT="9525" marB="0" anchor="b">
-                    <a:lnL>
-                      <a:noFill/>
-                    </a:lnL>
-                    <a:lnR>
-                      <a:noFill/>
-                    </a:lnR>
-                    <a:lnT>
-                      <a:noFill/>
-                    </a:lnT>
-                    <a:lnB>
-                      <a:noFill/>
-                    </a:lnB>
-                    <a:solidFill>
-                      <a:schemeClr val="bg1"/>
-                    </a:solidFill>
-                  </a:tcPr>
-                </a:tc>
-                <a:tc>
-                  <a:txBody>
-                    <a:bodyPr/>
-                    <a:lstStyle/>
-                    <a:p>
-                      <a:pPr algn="r" fontAlgn="b"/>
-                      <a:r>
-                        <a:rPr lang="en-US" sz="1100" b="0" i="0" u="none" strike="noStrike">
-                          <a:solidFill>
-                            <a:srgbClr val="000000"/>
-                          </a:solidFill>
-                          <a:effectLst/>
-                          <a:latin typeface="Aptos Narrow" panose="020B0004020202020204" pitchFamily="34" charset="0"/>
-                        </a:rPr>
-                        <a:t>98</a:t>
-                      </a:r>
-                    </a:p>
-                  </a:txBody>
-                  <a:tcPr marL="9525" marR="9525" marT="9525" marB="0" anchor="b">
-                    <a:lnL>
-                      <a:noFill/>
-                    </a:lnL>
-                    <a:lnR>
-                      <a:noFill/>
-                    </a:lnR>
-                    <a:lnT>
-                      <a:noFill/>
-                    </a:lnT>
-                    <a:lnB>
-                      <a:noFill/>
-                    </a:lnB>
-                    <a:solidFill>
-                      <a:schemeClr val="bg1"/>
-                    </a:solidFill>
-                  </a:tcPr>
-                </a:tc>
-                <a:tc>
-                  <a:txBody>
-                    <a:bodyPr/>
-                    <a:lstStyle/>
-                    <a:p>
-                      <a:pPr algn="r" fontAlgn="b"/>
-                      <a:r>
-                        <a:rPr lang="en-US" sz="1100" b="0" i="0" u="none" strike="noStrike">
-                          <a:solidFill>
-                            <a:srgbClr val="000000"/>
-                          </a:solidFill>
-                          <a:effectLst/>
-                          <a:latin typeface="Aptos Narrow" panose="020B0004020202020204" pitchFamily="34" charset="0"/>
-                        </a:rPr>
-                        <a:t>70</a:t>
-                      </a:r>
-                    </a:p>
-                  </a:txBody>
-                  <a:tcPr marL="9525" marR="9525" marT="9525" marB="0" anchor="b">
-                    <a:lnL>
-                      <a:noFill/>
-                    </a:lnL>
-                    <a:lnR>
-                      <a:noFill/>
-                    </a:lnR>
-                    <a:lnT>
-                      <a:noFill/>
-                    </a:lnT>
-                    <a:lnB>
-                      <a:noFill/>
-                    </a:lnB>
-                    <a:solidFill>
-                      <a:schemeClr val="bg1"/>
-                    </a:solidFill>
-                  </a:tcPr>
-                </a:tc>
-                <a:tc>
-                  <a:txBody>
-                    <a:bodyPr/>
-                    <a:lstStyle/>
-                    <a:p>
-                      <a:pPr algn="l" fontAlgn="b"/>
-                      <a:r>
-                        <a:rPr lang="en-US" sz="1100" b="0" i="0" u="none" strike="noStrike" dirty="0">
-                          <a:solidFill>
-                            <a:srgbClr val="000000"/>
-                          </a:solidFill>
-                          <a:effectLst/>
-                          <a:latin typeface="Aptos Narrow" panose="020B0004020202020204" pitchFamily="34" charset="0"/>
-                        </a:rPr>
-                        <a:t>mid risk</a:t>
-                      </a:r>
-                    </a:p>
-                  </a:txBody>
-                  <a:tcPr marL="9525" marR="9525" marT="9525" marB="0" anchor="b">
-                    <a:lnL>
-                      <a:noFill/>
-                    </a:lnL>
-                    <a:lnR>
-                      <a:noFill/>
-                    </a:lnR>
-                    <a:lnT>
-                      <a:noFill/>
-                    </a:lnT>
-                    <a:lnB>
-                      <a:noFill/>
-                    </a:lnB>
-                    <a:solidFill>
-                      <a:schemeClr val="bg1"/>
-                    </a:solidFill>
-                  </a:tcPr>
-                </a:tc>
-                <a:extLst>
-                  <a:ext uri="{0D108BD9-81ED-4DB2-BD59-A6C34878D82A}">
-                    <a16:rowId xmlns:a16="http://schemas.microsoft.com/office/drawing/2014/main" val="3292899941"/>
-                  </a:ext>
-                </a:extLst>
-              </a:tr>
-            </a:tbl>
-          </a:graphicData>
-        </a:graphic>
-      </p:graphicFrame>
+          <p:cNvPr id="3" name="Text Placeholder 2">
+            <a:extLst>
+              <a:ext uri="{FF2B5EF4-FFF2-40B4-BE49-F238E27FC236}">
+                <a16:creationId xmlns:a16="http://schemas.microsoft.com/office/drawing/2014/main" id="{38E265F3-A9B7-9363-909B-A8B36DDC8872}"/>
+              </a:ext>
+            </a:extLst>
+          </p:cNvPr>
+          <p:cNvSpPr>
+            <a:spLocks noGrp="1"/>
+          </p:cNvSpPr>
+          <p:nvPr>
+            <p:ph type="body" idx="1"/>
+          </p:nvPr>
+        </p:nvSpPr>
+        <p:spPr>
+          <a:xfrm>
+            <a:off x="637902" y="2425541"/>
+            <a:ext cx="4437017" cy="571691"/>
+          </a:xfrm>
+          <a:solidFill>
+            <a:schemeClr val="bg1">
+              <a:alpha val="66000"/>
+            </a:schemeClr>
+          </a:solidFill>
+          <a:ln>
+            <a:noFill/>
+          </a:ln>
+        </p:spPr>
+        <p:txBody>
+          <a:bodyPr/>
+          <a:lstStyle/>
+          <a:p>
+            <a:pPr marL="0" marR="0" lvl="0" indent="0" algn="ctr" defTabSz="914400" rtl="0" eaLnBrk="1" fontAlgn="auto" latinLnBrk="0" hangingPunct="1">
+              <a:lnSpc>
+                <a:spcPct val="100000"/>
+              </a:lnSpc>
+              <a:spcBef>
+                <a:spcPts val="0"/>
+              </a:spcBef>
+              <a:spcAft>
+                <a:spcPts val="0"/>
+              </a:spcAft>
+              <a:buClrTx/>
+              <a:buSzTx/>
+              <a:buFontTx/>
+              <a:buNone/>
+              <a:tabLst/>
+              <a:defRPr/>
+            </a:pPr>
+            <a:r>
+              <a:rPr kumimoji="0" lang="en-US" sz="1800" b="0" i="0" u="none" strike="noStrike" kern="1200" cap="none" spc="0" normalizeH="0" baseline="0" noProof="0" dirty="0">
+                <a:ln>
+                  <a:noFill/>
+                </a:ln>
+                <a:solidFill>
+                  <a:prstClr val="black"/>
+                </a:solidFill>
+                <a:effectLst/>
+                <a:uLnTx/>
+                <a:uFillTx/>
+                <a:latin typeface="Univers" panose="020F0502020204030204"/>
+                <a:ea typeface="+mn-ea"/>
+                <a:cs typeface="+mn-cs"/>
+              </a:rPr>
+              <a:t>Raw data collected from .csv file</a:t>
+            </a:r>
+          </a:p>
+        </p:txBody>
+      </p:sp>
       <p:pic>
         <p:nvPicPr>
-          <p:cNvPr id="7" name="Content Placeholder 6">
-            <a:extLst>
-              <a:ext uri="{FF2B5EF4-FFF2-40B4-BE49-F238E27FC236}">
-                <a16:creationId xmlns:a16="http://schemas.microsoft.com/office/drawing/2014/main" id="{CCFF1EF5-750A-E2DA-559F-F21B774B4F35}"/>
+          <p:cNvPr id="9" name="Content Placeholder 8">
+            <a:extLst>
+              <a:ext uri="{FF2B5EF4-FFF2-40B4-BE49-F238E27FC236}">
+                <a16:creationId xmlns:a16="http://schemas.microsoft.com/office/drawing/2014/main" id="{A284A642-E066-6137-FD85-2AE78A41C1E1}"/>
               </a:ext>
             </a:extLst>
           </p:cNvPr>
@@ -7724,120 +5107,230 @@
             <p:ph sz="half" idx="2"/>
           </p:nvPr>
         </p:nvPicPr>
-        <p:blipFill>
+        <p:blipFill rotWithShape="1">
           <a:blip r:embed="rId2"/>
-          <a:stretch>
-            <a:fillRect/>
-          </a:stretch>
+          <a:srcRect/>
+          <a:stretch/>
         </p:blipFill>
         <p:spPr>
           <a:xfrm>
-            <a:off x="5506153" y="3202470"/>
-            <a:ext cx="6495602" cy="1450756"/>
-          </a:xfrm>
-          <a:prstGeom prst="rect">
-            <a:avLst/>
-          </a:prstGeom>
-        </p:spPr>
-      </p:pic>
-      <p:sp>
-        <p:nvSpPr>
-          <p:cNvPr id="6" name="TextBox 5">
-            <a:extLst>
-              <a:ext uri="{FF2B5EF4-FFF2-40B4-BE49-F238E27FC236}">
-                <a16:creationId xmlns:a16="http://schemas.microsoft.com/office/drawing/2014/main" id="{EFB60957-F697-10CC-09DF-5507E4E02795}"/>
-              </a:ext>
-            </a:extLst>
-          </p:cNvPr>
-          <p:cNvSpPr txBox="1"/>
-          <p:nvPr/>
-        </p:nvSpPr>
-        <p:spPr>
-          <a:xfrm>
-            <a:off x="980751" y="2560821"/>
-            <a:ext cx="3791426" cy="369332"/>
-          </a:xfrm>
-          <a:prstGeom prst="rect">
-            <a:avLst/>
-          </a:prstGeom>
-          <a:solidFill>
-            <a:schemeClr val="bg1"/>
-          </a:solidFill>
+            <a:off x="536280" y="3070763"/>
+            <a:ext cx="4640262" cy="2050513"/>
+          </a:xfrm>
           <a:ln>
             <a:solidFill>
               <a:schemeClr val="tx1"/>
             </a:solidFill>
           </a:ln>
         </p:spPr>
-        <p:txBody>
-          <a:bodyPr wrap="square" rtlCol="0">
-            <a:spAutoFit/>
-          </a:bodyPr>
-          <a:lstStyle/>
-          <a:p>
-            <a:pPr algn="ctr"/>
-            <a:r>
-              <a:rPr lang="en-US" dirty="0"/>
-              <a:t>Raw data collected from .csv file</a:t>
-            </a:r>
-          </a:p>
-        </p:txBody>
-      </p:sp>
-      <p:sp>
-        <p:nvSpPr>
-          <p:cNvPr id="8" name="TextBox 7">
-            <a:extLst>
-              <a:ext uri="{FF2B5EF4-FFF2-40B4-BE49-F238E27FC236}">
-                <a16:creationId xmlns:a16="http://schemas.microsoft.com/office/drawing/2014/main" id="{4D6ABF3B-607D-4036-955C-30DB2566B6DD}"/>
-              </a:ext>
-            </a:extLst>
-          </p:cNvPr>
-          <p:cNvSpPr txBox="1"/>
-          <p:nvPr/>
-        </p:nvSpPr>
-        <p:spPr>
-          <a:xfrm>
-            <a:off x="5907756" y="2560821"/>
-            <a:ext cx="5692395" cy="369332"/>
+      </p:pic>
+      <p:sp>
+        <p:nvSpPr>
+          <p:cNvPr id="5" name="Text Placeholder 4">
+            <a:extLst>
+              <a:ext uri="{FF2B5EF4-FFF2-40B4-BE49-F238E27FC236}">
+                <a16:creationId xmlns:a16="http://schemas.microsoft.com/office/drawing/2014/main" id="{28EB012E-2A6A-E92E-A367-E9DE31A8434F}"/>
+              </a:ext>
+            </a:extLst>
+          </p:cNvPr>
+          <p:cNvSpPr>
+            <a:spLocks noGrp="1"/>
+          </p:cNvSpPr>
+          <p:nvPr>
+            <p:ph type="body" sz="quarter" idx="3"/>
+          </p:nvPr>
+        </p:nvSpPr>
+        <p:spPr>
+          <a:xfrm>
+            <a:off x="5634606" y="2509144"/>
+            <a:ext cx="5834621" cy="488088"/>
+          </a:xfrm>
+          <a:solidFill>
+            <a:schemeClr val="bg1">
+              <a:alpha val="66000"/>
+            </a:schemeClr>
+          </a:solidFill>
+          <a:ln>
+            <a:noFill/>
+          </a:ln>
+        </p:spPr>
+        <p:txBody>
+          <a:bodyPr/>
+          <a:lstStyle/>
+          <a:p>
+            <a:pPr marL="0" marR="0" lvl="0" indent="0" algn="ctr" defTabSz="914400" rtl="0" eaLnBrk="1" fontAlgn="auto" latinLnBrk="0" hangingPunct="1">
+              <a:lnSpc>
+                <a:spcPct val="100000"/>
+              </a:lnSpc>
+              <a:spcBef>
+                <a:spcPts val="0"/>
+              </a:spcBef>
+              <a:spcAft>
+                <a:spcPts val="0"/>
+              </a:spcAft>
+              <a:buClrTx/>
+              <a:buSzTx/>
+              <a:buFontTx/>
+              <a:buNone/>
+              <a:tabLst/>
+              <a:defRPr/>
+            </a:pPr>
+            <a:r>
+              <a:rPr kumimoji="0" lang="en-US" sz="1800" b="0" i="0" u="none" strike="noStrike" kern="1200" cap="none" spc="0" normalizeH="0" baseline="0" noProof="0" dirty="0">
+                <a:ln>
+                  <a:noFill/>
+                </a:ln>
+                <a:solidFill>
+                  <a:prstClr val="black"/>
+                </a:solidFill>
+                <a:effectLst/>
+                <a:uLnTx/>
+                <a:uFillTx/>
+                <a:latin typeface="Univers" panose="020F0502020204030204"/>
+                <a:ea typeface="+mn-ea"/>
+                <a:cs typeface="+mn-cs"/>
+              </a:rPr>
+              <a:t>Organized </a:t>
+            </a:r>
+            <a:r>
+              <a:rPr kumimoji="0" lang="en-US" sz="1800" b="0" i="0" u="none" strike="noStrike" kern="1200" cap="none" spc="0" normalizeH="0" baseline="0" noProof="0" dirty="0" err="1">
+                <a:ln>
+                  <a:noFill/>
+                </a:ln>
+                <a:solidFill>
+                  <a:prstClr val="black"/>
+                </a:solidFill>
+                <a:effectLst/>
+                <a:uLnTx/>
+                <a:uFillTx/>
+                <a:latin typeface="Univers" panose="020F0502020204030204"/>
+                <a:ea typeface="+mn-ea"/>
+                <a:cs typeface="+mn-cs"/>
+              </a:rPr>
+              <a:t>DataFrame</a:t>
+            </a:r>
+            <a:r>
+              <a:rPr kumimoji="0" lang="en-US" sz="1800" b="0" i="0" u="none" strike="noStrike" kern="1200" cap="none" spc="0" normalizeH="0" baseline="0" noProof="0" dirty="0">
+                <a:ln>
+                  <a:noFill/>
+                </a:ln>
+                <a:solidFill>
+                  <a:prstClr val="black"/>
+                </a:solidFill>
+                <a:effectLst/>
+                <a:uLnTx/>
+                <a:uFillTx/>
+                <a:latin typeface="Univers" panose="020F0502020204030204"/>
+                <a:ea typeface="+mn-ea"/>
+                <a:cs typeface="+mn-cs"/>
+              </a:rPr>
+              <a:t> created in </a:t>
+            </a:r>
+            <a:r>
+              <a:rPr kumimoji="0" lang="en-US" sz="1800" b="0" i="0" u="none" strike="noStrike" kern="1200" cap="none" spc="0" normalizeH="0" baseline="0" noProof="0" dirty="0" err="1">
+                <a:ln>
+                  <a:noFill/>
+                </a:ln>
+                <a:solidFill>
+                  <a:prstClr val="black"/>
+                </a:solidFill>
+                <a:effectLst/>
+                <a:uLnTx/>
+                <a:uFillTx/>
+                <a:latin typeface="Univers" panose="020F0502020204030204"/>
+                <a:ea typeface="+mn-ea"/>
+                <a:cs typeface="+mn-cs"/>
+              </a:rPr>
+              <a:t>Jupyter</a:t>
+            </a:r>
+            <a:r>
+              <a:rPr kumimoji="0" lang="en-US" sz="1800" b="0" i="0" u="none" strike="noStrike" kern="1200" cap="none" spc="0" normalizeH="0" baseline="0" noProof="0" dirty="0">
+                <a:ln>
+                  <a:noFill/>
+                </a:ln>
+                <a:solidFill>
+                  <a:prstClr val="black"/>
+                </a:solidFill>
+                <a:effectLst/>
+                <a:uLnTx/>
+                <a:uFillTx/>
+                <a:latin typeface="Univers" panose="020F0502020204030204"/>
+                <a:ea typeface="+mn-ea"/>
+                <a:cs typeface="+mn-cs"/>
+              </a:rPr>
+              <a:t> Notebook</a:t>
+            </a:r>
+          </a:p>
+        </p:txBody>
+      </p:sp>
+      <p:pic>
+        <p:nvPicPr>
+          <p:cNvPr id="10" name="Content Placeholder 9">
+            <a:extLst>
+              <a:ext uri="{FF2B5EF4-FFF2-40B4-BE49-F238E27FC236}">
+                <a16:creationId xmlns:a16="http://schemas.microsoft.com/office/drawing/2014/main" id="{295113A8-F0D7-CCB6-AE7D-9DC3857EC1C4}"/>
+              </a:ext>
+            </a:extLst>
+          </p:cNvPr>
+          <p:cNvPicPr>
+            <a:picLocks noGrp="1" noChangeAspect="1"/>
+          </p:cNvPicPr>
+          <p:nvPr>
+            <p:ph sz="quarter" idx="4"/>
+          </p:nvPr>
+        </p:nvPicPr>
+        <p:blipFill>
+          <a:blip r:embed="rId3"/>
+          <a:stretch>
+            <a:fillRect/>
+          </a:stretch>
+        </p:blipFill>
+        <p:spPr>
+          <a:xfrm>
+            <a:off x="5306019" y="3227517"/>
+            <a:ext cx="6491797" cy="1449387"/>
           </a:xfrm>
           <a:prstGeom prst="rect">
             <a:avLst/>
           </a:prstGeom>
-          <a:solidFill>
-            <a:schemeClr val="bg1"/>
-          </a:solidFill>
           <a:ln>
             <a:solidFill>
               <a:schemeClr val="tx1"/>
             </a:solidFill>
           </a:ln>
         </p:spPr>
-        <p:txBody>
-          <a:bodyPr wrap="square" rtlCol="0">
-            <a:spAutoFit/>
+      </p:pic>
+      <p:sp>
+        <p:nvSpPr>
+          <p:cNvPr id="7" name="Title 1">
+            <a:extLst>
+              <a:ext uri="{FF2B5EF4-FFF2-40B4-BE49-F238E27FC236}">
+                <a16:creationId xmlns:a16="http://schemas.microsoft.com/office/drawing/2014/main" id="{0EE477E4-E921-27BE-D5C0-B96B87F89AAC}"/>
+              </a:ext>
+            </a:extLst>
+          </p:cNvPr>
+          <p:cNvSpPr>
+            <a:spLocks noGrp="1"/>
+          </p:cNvSpPr>
+          <p:nvPr>
+            <p:ph type="title"/>
+          </p:nvPr>
+        </p:nvSpPr>
+        <p:spPr>
+          <a:xfrm>
+            <a:off x="1096963" y="287338"/>
+            <a:ext cx="10058400" cy="1449387"/>
+          </a:xfrm>
+        </p:spPr>
+        <p:txBody>
+          <a:bodyPr>
+            <a:normAutofit/>
           </a:bodyPr>
           <a:lstStyle/>
           <a:p>
-            <a:pPr algn="ctr"/>
-            <a:r>
-              <a:rPr lang="en-US" dirty="0"/>
-              <a:t>Organized </a:t>
-            </a:r>
-            <a:r>
-              <a:rPr lang="en-US" dirty="0" err="1"/>
-              <a:t>DataFrame</a:t>
-            </a:r>
-            <a:r>
-              <a:rPr lang="en-US" dirty="0"/>
-              <a:t> created in </a:t>
-            </a:r>
-            <a:r>
-              <a:rPr lang="en-US" dirty="0" err="1"/>
-              <a:t>Jupyter</a:t>
-            </a:r>
-            <a:r>
-              <a:rPr lang="en-US" dirty="0"/>
-              <a:t> Notebook</a:t>
+            <a:r>
+              <a:rPr lang="en-US" b="1" dirty="0"/>
+              <a:t>Maternal Health Data</a:t>
             </a:r>
           </a:p>
         </p:txBody>
@@ -7845,7 +5338,7 @@
     </p:spTree>
     <p:extLst>
       <p:ext uri="{BB962C8B-B14F-4D97-AF65-F5344CB8AC3E}">
-        <p14:creationId xmlns:p14="http://schemas.microsoft.com/office/powerpoint/2010/main" val="2514514056"/>
+        <p14:creationId xmlns:p14="http://schemas.microsoft.com/office/powerpoint/2010/main" val="2573876873"/>
       </p:ext>
     </p:extLst>
   </p:cSld>
@@ -7903,11 +5396,13 @@
           </a:xfrm>
         </p:spPr>
         <p:txBody>
-          <a:bodyPr/>
-          <a:lstStyle/>
-          <a:p>
-            <a:r>
-              <a:rPr lang="en-US" b="1" dirty="0"/>
+          <a:bodyPr>
+            <a:normAutofit/>
+          </a:bodyPr>
+          <a:lstStyle/>
+          <a:p>
+            <a:r>
+              <a:rPr lang="en-US" sz="4000" b="1" dirty="0"/>
               <a:t>Blood Pressure Vs. Risk Level</a:t>
             </a:r>
           </a:p>
@@ -7931,7 +5426,7 @@
         </p:nvSpPr>
         <p:spPr>
           <a:xfrm>
-            <a:off x="1097280" y="1938384"/>
+            <a:off x="1097280" y="1964508"/>
             <a:ext cx="10058400" cy="3760891"/>
           </a:xfrm>
           <a:solidFill>
@@ -8015,12 +5510,17 @@
         </p:blipFill>
         <p:spPr>
           <a:xfrm>
-            <a:off x="2062406" y="2674274"/>
+            <a:off x="2062406" y="2752650"/>
             <a:ext cx="7725673" cy="2871489"/>
           </a:xfrm>
           <a:prstGeom prst="rect">
             <a:avLst/>
           </a:prstGeom>
+          <a:ln>
+            <a:solidFill>
+              <a:schemeClr val="tx1"/>
+            </a:solidFill>
+          </a:ln>
         </p:spPr>
       </p:pic>
     </p:spTree>
@@ -8290,11 +5790,13 @@
           </a:xfrm>
         </p:spPr>
         <p:txBody>
-          <a:bodyPr/>
-          <a:lstStyle/>
-          <a:p>
-            <a:r>
-              <a:rPr lang="en-US" b="1" dirty="0"/>
+          <a:bodyPr>
+            <a:normAutofit/>
+          </a:bodyPr>
+          <a:lstStyle/>
+          <a:p>
+            <a:r>
+              <a:rPr lang="en-US" sz="4000" b="1" dirty="0"/>
               <a:t>Blood Sugar Vs. Risk Level</a:t>
             </a:r>
           </a:p>
@@ -8357,7 +5859,7 @@
         </p:nvSpPr>
         <p:spPr>
           <a:xfrm>
-            <a:off x="1097280" y="1925322"/>
+            <a:off x="1097280" y="1977572"/>
             <a:ext cx="10058400" cy="3201850"/>
           </a:xfrm>
           <a:solidFill>
@@ -8406,12 +5908,17 @@
         </p:blipFill>
         <p:spPr>
           <a:xfrm>
-            <a:off x="3326237" y="2851632"/>
+            <a:off x="3326237" y="2949602"/>
             <a:ext cx="4991538" cy="1988155"/>
           </a:xfrm>
           <a:prstGeom prst="rect">
             <a:avLst/>
           </a:prstGeom>
+          <a:ln>
+            <a:solidFill>
+              <a:schemeClr val="tx1"/>
+            </a:solidFill>
+          </a:ln>
         </p:spPr>
       </p:pic>
     </p:spTree>
@@ -8656,7 +6163,7 @@
         </p:nvSpPr>
         <p:spPr>
           <a:xfrm>
-            <a:off x="1097280" y="1938385"/>
+            <a:off x="1097280" y="1964509"/>
             <a:ext cx="10058400" cy="2888342"/>
           </a:xfrm>
           <a:solidFill>
@@ -8740,12 +6247,17 @@
         </p:blipFill>
         <p:spPr>
           <a:xfrm>
-            <a:off x="4121220" y="2786062"/>
+            <a:off x="4121220" y="2838311"/>
             <a:ext cx="3949559" cy="1452835"/>
           </a:xfrm>
           <a:prstGeom prst="rect">
             <a:avLst/>
           </a:prstGeom>
+          <a:ln>
+            <a:solidFill>
+              <a:schemeClr val="tx1"/>
+            </a:solidFill>
+          </a:ln>
         </p:spPr>
       </p:pic>
       <p:sp>
@@ -8771,11 +6283,13 @@
           </a:xfrm>
         </p:spPr>
         <p:txBody>
-          <a:bodyPr/>
-          <a:lstStyle/>
-          <a:p>
-            <a:r>
-              <a:rPr lang="en-US" b="1" dirty="0"/>
+          <a:bodyPr>
+            <a:normAutofit/>
+          </a:bodyPr>
+          <a:lstStyle/>
+          <a:p>
+            <a:r>
+              <a:rPr lang="en-US" sz="4000" b="1" dirty="0"/>
               <a:t>Age vs. Risk Level</a:t>
             </a:r>
           </a:p>

--- a/Predictors of Pregnancy Risk Powerpoint.pptx
+++ b/Predictors of Pregnancy Risk Powerpoint.pptx
@@ -16,8 +16,8 @@
     <p:sldId id="268" r:id="rId10"/>
     <p:sldId id="269" r:id="rId11"/>
     <p:sldId id="270" r:id="rId12"/>
-    <p:sldId id="272" r:id="rId13"/>
-    <p:sldId id="271" r:id="rId14"/>
+    <p:sldId id="271" r:id="rId13"/>
+    <p:sldId id="272" r:id="rId14"/>
     <p:sldId id="273" r:id="rId15"/>
   </p:sldIdLst>
   <p:sldSz cx="12192000" cy="6858000"/>
@@ -369,7 +369,7 @@
           <a:p>
             <a:fld id="{9184DA70-C731-4C70-880D-CCD4705E623C}" type="datetime1">
               <a:rPr lang="en-US" smtClean="0"/>
-              <a:t>3/12/2024</a:t>
+              <a:t>3/13/2024</a:t>
             </a:fld>
             <a:endParaRPr lang="en-US" dirty="0"/>
           </a:p>
@@ -557,7 +557,7 @@
           <a:p>
             <a:fld id="{B612A279-0833-481D-8C56-F67FD0AC6C50}" type="datetime1">
               <a:rPr lang="en-US" smtClean="0"/>
-              <a:t>3/12/2024</a:t>
+              <a:t>3/13/2024</a:t>
             </a:fld>
             <a:endParaRPr lang="en-US" dirty="0"/>
           </a:p>
@@ -799,7 +799,7 @@
           <a:p>
             <a:fld id="{6587DA83-5663-4C9C-B9AA-0B40A3DAFF81}" type="datetime1">
               <a:rPr lang="en-US" smtClean="0"/>
-              <a:t>3/12/2024</a:t>
+              <a:t>3/13/2024</a:t>
             </a:fld>
             <a:endParaRPr lang="en-US" dirty="0"/>
           </a:p>
@@ -987,7 +987,7 @@
           <a:p>
             <a:fld id="{4BE1D723-8F53-4F53-90B0-1982A396982E}" type="datetime1">
               <a:rPr lang="en-US" smtClean="0"/>
-              <a:t>3/12/2024</a:t>
+              <a:t>3/13/2024</a:t>
             </a:fld>
             <a:endParaRPr lang="en-US" dirty="0"/>
           </a:p>
@@ -1360,7 +1360,7 @@
           <a:p>
             <a:fld id="{97669AF7-7BEB-44E4-9852-375E34362B5B}" type="datetime1">
               <a:rPr lang="en-US" smtClean="0"/>
-              <a:t>3/12/2024</a:t>
+              <a:t>3/13/2024</a:t>
             </a:fld>
             <a:endParaRPr lang="en-US" dirty="0"/>
           </a:p>
@@ -1615,7 +1615,7 @@
           <a:p>
             <a:fld id="{BAAAC38D-0552-4C82-B593-E6124DFADBE2}" type="datetime1">
               <a:rPr lang="en-US" smtClean="0"/>
-              <a:t>3/12/2024</a:t>
+              <a:t>3/13/2024</a:t>
             </a:fld>
             <a:endParaRPr lang="en-US" dirty="0"/>
           </a:p>
@@ -2012,7 +2012,7 @@
           <a:p>
             <a:fld id="{D9DF0F1C-5577-4ACB-BB62-DF8F3C494C7E}" type="datetime1">
               <a:rPr lang="en-US" smtClean="0"/>
-              <a:t>3/12/2024</a:t>
+              <a:t>3/13/2024</a:t>
             </a:fld>
             <a:endParaRPr lang="en-US" dirty="0"/>
           </a:p>
@@ -2148,7 +2148,7 @@
           <a:p>
             <a:fld id="{1775B394-D9F9-4F0C-B15D-605F45CB9E9F}" type="datetime1">
               <a:rPr lang="en-US" smtClean="0"/>
-              <a:t>3/12/2024</a:t>
+              <a:t>3/13/2024</a:t>
             </a:fld>
             <a:endParaRPr lang="en-US" dirty="0"/>
           </a:p>
@@ -2305,7 +2305,7 @@
           <a:p>
             <a:fld id="{39667345-2558-425A-8533-9BFDBCE15005}" type="datetime1">
               <a:rPr lang="en-US" smtClean="0"/>
-              <a:t>3/12/2024</a:t>
+              <a:t>3/13/2024</a:t>
             </a:fld>
             <a:endParaRPr lang="en-US" dirty="0"/>
           </a:p>
@@ -2634,7 +2634,7 @@
           <a:p>
             <a:fld id="{92BEA474-078D-4E9B-9B14-09A87B19DC46}" type="datetime1">
               <a:rPr lang="en-US" smtClean="0"/>
-              <a:t>3/12/2024</a:t>
+              <a:t>3/13/2024</a:t>
             </a:fld>
             <a:endParaRPr lang="en-US" dirty="0"/>
           </a:p>
@@ -2984,7 +2984,7 @@
           <a:p>
             <a:fld id="{4907D986-8816-4272-A432-0437A28A9828}" type="datetime1">
               <a:rPr lang="en-US" smtClean="0"/>
-              <a:t>3/12/2024</a:t>
+              <a:t>3/13/2024</a:t>
             </a:fld>
             <a:endParaRPr lang="en-US" dirty="0"/>
           </a:p>
@@ -3245,7 +3245,7 @@
           <a:p>
             <a:fld id="{62D6E202-B606-4609-B914-27C9371A1F6D}" type="datetime1">
               <a:rPr lang="en-US" smtClean="0"/>
-              <a:t>3/12/2024</a:t>
+              <a:t>3/13/2024</a:t>
             </a:fld>
             <a:endParaRPr lang="en-US" dirty="0"/>
           </a:p>
@@ -4531,79 +4531,123 @@
       </p:grpSpPr>
       <p:sp>
         <p:nvSpPr>
-          <p:cNvPr id="10" name="Content Placeholder 9">
-            <a:extLst>
-              <a:ext uri="{FF2B5EF4-FFF2-40B4-BE49-F238E27FC236}">
-                <a16:creationId xmlns:a16="http://schemas.microsoft.com/office/drawing/2014/main" id="{F461381B-C919-3A2D-484E-028BA3AE7AED}"/>
-              </a:ext>
-            </a:extLst>
-          </p:cNvPr>
-          <p:cNvSpPr>
-            <a:spLocks noGrp="1"/>
-          </p:cNvSpPr>
-          <p:nvPr>
-            <p:ph idx="1"/>
-          </p:nvPr>
-        </p:nvSpPr>
-        <p:spPr>
-          <a:xfrm>
-            <a:off x="1097280" y="1925322"/>
-            <a:ext cx="10058400" cy="2820214"/>
-          </a:xfrm>
-          <a:solidFill>
-            <a:schemeClr val="bg1">
-              <a:alpha val="66000"/>
-            </a:schemeClr>
-          </a:solidFill>
+          <p:cNvPr id="6" name="Title 1">
+            <a:extLst>
+              <a:ext uri="{FF2B5EF4-FFF2-40B4-BE49-F238E27FC236}">
+                <a16:creationId xmlns:a16="http://schemas.microsoft.com/office/drawing/2014/main" id="{6B4C1653-FA47-3D13-BD90-2EBEF59472FF}"/>
+              </a:ext>
+            </a:extLst>
+          </p:cNvPr>
+          <p:cNvSpPr txBox="1">
+            <a:spLocks/>
+          </p:cNvSpPr>
+          <p:nvPr/>
+        </p:nvSpPr>
+        <p:spPr>
+          <a:xfrm>
+            <a:off x="4764204" y="262357"/>
+            <a:ext cx="3347830" cy="973137"/>
+          </a:xfrm>
+          <a:prstGeom prst="rect">
+            <a:avLst/>
+          </a:prstGeom>
         </p:spPr>
         <p:txBody>
           <a:bodyPr/>
-          <a:lstStyle/>
-          <a:p>
-            <a:pPr marL="0" indent="0">
+          <a:lstStyle>
+            <a:lvl1pPr algn="l" defTabSz="914400" rtl="0" eaLnBrk="1" latinLnBrk="0" hangingPunct="1">
+              <a:lnSpc>
+                <a:spcPct val="90000"/>
+              </a:lnSpc>
+              <a:spcBef>
+                <a:spcPct val="0"/>
+              </a:spcBef>
               <a:buNone/>
-            </a:pPr>
-            <a:endParaRPr lang="en-US" dirty="0"/>
-          </a:p>
-        </p:txBody>
-      </p:sp>
-      <p:sp>
-        <p:nvSpPr>
-          <p:cNvPr id="6" name="Title 1">
-            <a:extLst>
-              <a:ext uri="{FF2B5EF4-FFF2-40B4-BE49-F238E27FC236}">
-                <a16:creationId xmlns:a16="http://schemas.microsoft.com/office/drawing/2014/main" id="{DC8FA9D8-BC95-FF51-71E7-777CCF721481}"/>
-              </a:ext>
-            </a:extLst>
-          </p:cNvPr>
-          <p:cNvSpPr>
-            <a:spLocks noGrp="1"/>
-          </p:cNvSpPr>
-          <p:nvPr>
-            <p:ph type="title"/>
-          </p:nvPr>
-        </p:nvSpPr>
-        <p:spPr>
-          <a:xfrm>
-            <a:off x="1097280" y="796484"/>
-            <a:ext cx="10058400" cy="973137"/>
-          </a:xfrm>
-        </p:spPr>
-        <p:txBody>
-          <a:bodyPr/>
-          <a:lstStyle/>
-          <a:p>
-            <a:r>
-              <a:rPr lang="en-US" b="1" dirty="0"/>
-              <a:t>Analysis</a:t>
-            </a:r>
-          </a:p>
-        </p:txBody>
-      </p:sp>
+              <a:defRPr sz="4400" kern="1200" spc="-50" baseline="0">
+                <a:solidFill>
+                  <a:schemeClr val="tx1">
+                    <a:lumMod val="75000"/>
+                    <a:lumOff val="25000"/>
+                  </a:schemeClr>
+                </a:solidFill>
+                <a:latin typeface="+mj-lt"/>
+                <a:ea typeface="+mj-ea"/>
+                <a:cs typeface="+mj-cs"/>
+              </a:defRPr>
+            </a:lvl1pPr>
+          </a:lstStyle>
+          <a:p>
+            <a:r>
+              <a:rPr lang="en-US" sz="4000" b="1" dirty="0" err="1"/>
+              <a:t>Geoapify</a:t>
+            </a:r>
+            <a:endParaRPr lang="en-US" sz="4000" b="1" dirty="0"/>
+          </a:p>
+        </p:txBody>
+      </p:sp>
+      <p:pic>
+        <p:nvPicPr>
+          <p:cNvPr id="5" name="Picture 4">
+            <a:extLst>
+              <a:ext uri="{FF2B5EF4-FFF2-40B4-BE49-F238E27FC236}">
+                <a16:creationId xmlns:a16="http://schemas.microsoft.com/office/drawing/2014/main" id="{73965149-0B84-144D-3FC2-BF41BA27795A}"/>
+              </a:ext>
+            </a:extLst>
+          </p:cNvPr>
+          <p:cNvPicPr>
+            <a:picLocks noChangeAspect="1"/>
+          </p:cNvPicPr>
+          <p:nvPr/>
+        </p:nvPicPr>
+        <p:blipFill rotWithShape="1">
+          <a:blip r:embed="rId2"/>
+          <a:srcRect l="528" r="1" b="608"/>
+          <a:stretch/>
+        </p:blipFill>
+        <p:spPr>
+          <a:xfrm>
+            <a:off x="2639655" y="2540032"/>
+            <a:ext cx="6949570" cy="3625637"/>
+          </a:xfrm>
+          <a:prstGeom prst="rect">
+            <a:avLst/>
+          </a:prstGeom>
+        </p:spPr>
+      </p:pic>
+      <p:pic>
+        <p:nvPicPr>
+          <p:cNvPr id="8" name="Picture 7">
+            <a:extLst>
+              <a:ext uri="{FF2B5EF4-FFF2-40B4-BE49-F238E27FC236}">
+                <a16:creationId xmlns:a16="http://schemas.microsoft.com/office/drawing/2014/main" id="{F8E75EE1-694D-3D63-4FDF-259CB8C2AB0C}"/>
+              </a:ext>
+            </a:extLst>
+          </p:cNvPr>
+          <p:cNvPicPr>
+            <a:picLocks noChangeAspect="1"/>
+          </p:cNvPicPr>
+          <p:nvPr/>
+        </p:nvPicPr>
+        <p:blipFill>
+          <a:blip r:embed="rId3"/>
+          <a:stretch>
+            <a:fillRect/>
+          </a:stretch>
+        </p:blipFill>
+        <p:spPr>
+          <a:xfrm>
+            <a:off x="2569847" y="1003212"/>
+            <a:ext cx="7089185" cy="1485805"/>
+          </a:xfrm>
+          <a:prstGeom prst="rect">
+            <a:avLst/>
+          </a:prstGeom>
+        </p:spPr>
+      </p:pic>
     </p:spTree>
     <p:extLst>
       <p:ext uri="{BB962C8B-B14F-4D97-AF65-F5344CB8AC3E}">
-        <p14:creationId xmlns:p14="http://schemas.microsoft.com/office/powerpoint/2010/main" val="2969448605"/>
+        <p14:creationId xmlns:p14="http://schemas.microsoft.com/office/powerpoint/2010/main" val="1628325885"/>
       </p:ext>
     </p:extLst>
   </p:cSld>
@@ -4638,126 +4682,105 @@
           <a:chExt cx="0" cy="0"/>
         </a:xfrm>
       </p:grpSpPr>
-      <p:pic>
-        <p:nvPicPr>
-          <p:cNvPr id="2" name="Picture 1">
-            <a:extLst>
-              <a:ext uri="{FF2B5EF4-FFF2-40B4-BE49-F238E27FC236}">
-                <a16:creationId xmlns:a16="http://schemas.microsoft.com/office/drawing/2014/main" id="{E9547D31-A939-FBBA-9557-6E0E3C825855}"/>
-              </a:ext>
-            </a:extLst>
-          </p:cNvPr>
-          <p:cNvPicPr>
-            <a:picLocks noChangeAspect="1"/>
-          </p:cNvPicPr>
-          <p:nvPr/>
-        </p:nvPicPr>
-        <p:blipFill>
-          <a:blip r:embed="rId2"/>
-          <a:stretch>
-            <a:fillRect/>
-          </a:stretch>
-        </p:blipFill>
-        <p:spPr>
-          <a:xfrm>
-            <a:off x="2396087" y="2552832"/>
-            <a:ext cx="7333444" cy="3734397"/>
-          </a:xfrm>
-          <a:prstGeom prst="rect">
-            <a:avLst/>
-          </a:prstGeom>
-        </p:spPr>
-      </p:pic>
-      <p:pic>
-        <p:nvPicPr>
-          <p:cNvPr id="5" name="Picture 4">
-            <a:extLst>
-              <a:ext uri="{FF2B5EF4-FFF2-40B4-BE49-F238E27FC236}">
-                <a16:creationId xmlns:a16="http://schemas.microsoft.com/office/drawing/2014/main" id="{79DEB978-BCA8-6786-705B-4BF25818218E}"/>
-              </a:ext>
-            </a:extLst>
-          </p:cNvPr>
-          <p:cNvPicPr>
-            <a:picLocks noChangeAspect="1"/>
-          </p:cNvPicPr>
-          <p:nvPr/>
-        </p:nvPicPr>
-        <p:blipFill>
-          <a:blip r:embed="rId3"/>
-          <a:stretch>
-            <a:fillRect/>
-          </a:stretch>
-        </p:blipFill>
-        <p:spPr>
-          <a:xfrm>
-            <a:off x="2396087" y="1033409"/>
-            <a:ext cx="7333444" cy="1463344"/>
-          </a:xfrm>
-          <a:prstGeom prst="rect">
-            <a:avLst/>
-          </a:prstGeom>
-        </p:spPr>
-      </p:pic>
+      <p:sp>
+        <p:nvSpPr>
+          <p:cNvPr id="10" name="Content Placeholder 9">
+            <a:extLst>
+              <a:ext uri="{FF2B5EF4-FFF2-40B4-BE49-F238E27FC236}">
+                <a16:creationId xmlns:a16="http://schemas.microsoft.com/office/drawing/2014/main" id="{F461381B-C919-3A2D-484E-028BA3AE7AED}"/>
+              </a:ext>
+            </a:extLst>
+          </p:cNvPr>
+          <p:cNvSpPr>
+            <a:spLocks noGrp="1"/>
+          </p:cNvSpPr>
+          <p:nvPr>
+            <p:ph idx="1"/>
+          </p:nvPr>
+        </p:nvSpPr>
+        <p:spPr>
+          <a:xfrm>
+            <a:off x="1097280" y="1925322"/>
+            <a:ext cx="10058400" cy="3163058"/>
+          </a:xfrm>
+          <a:solidFill>
+            <a:schemeClr val="bg1">
+              <a:alpha val="66000"/>
+            </a:schemeClr>
+          </a:solidFill>
+        </p:spPr>
+        <p:txBody>
+          <a:bodyPr/>
+          <a:lstStyle/>
+          <a:p>
+            <a:pPr>
+              <a:buFont typeface="Courier New" panose="02070309020205020404" pitchFamily="49" charset="0"/>
+              <a:buChar char="o"/>
+            </a:pPr>
+            <a:r>
+              <a:rPr lang="en-US" dirty="0"/>
+              <a:t> Our study found blood pressure to be the strongest indicator of pregnancy risks, surpassing age, heart rate, and blood sugar. </a:t>
+            </a:r>
+          </a:p>
+          <a:p>
+            <a:pPr>
+              <a:buFont typeface="Courier New" panose="02070309020205020404" pitchFamily="49" charset="0"/>
+              <a:buChar char="o"/>
+            </a:pPr>
+            <a:r>
+              <a:rPr lang="en-US" dirty="0"/>
+              <a:t> The importance of managing blood pressure is shown by our significant findings, with a p-value of 1.39e-23, indicating a strong relationship between blood pressure and pregnancy risk levels. </a:t>
+            </a:r>
+          </a:p>
+          <a:p>
+            <a:pPr>
+              <a:buFont typeface="Courier New" panose="02070309020205020404" pitchFamily="49" charset="0"/>
+              <a:buChar char="o"/>
+            </a:pPr>
+            <a:r>
+              <a:rPr lang="en-US" dirty="0"/>
+              <a:t> Overall, this highlights the necessity of prioritizing blood pressure monitoring to ensure the safety of both the mother and child during pregnancy.</a:t>
+            </a:r>
+          </a:p>
+        </p:txBody>
+      </p:sp>
       <p:sp>
         <p:nvSpPr>
           <p:cNvPr id="6" name="Title 1">
             <a:extLst>
               <a:ext uri="{FF2B5EF4-FFF2-40B4-BE49-F238E27FC236}">
-                <a16:creationId xmlns:a16="http://schemas.microsoft.com/office/drawing/2014/main" id="{6B4C1653-FA47-3D13-BD90-2EBEF59472FF}"/>
-              </a:ext>
-            </a:extLst>
-          </p:cNvPr>
-          <p:cNvSpPr txBox="1">
-            <a:spLocks/>
-          </p:cNvSpPr>
-          <p:nvPr/>
-        </p:nvSpPr>
-        <p:spPr>
-          <a:xfrm>
-            <a:off x="4764204" y="262357"/>
-            <a:ext cx="3347830" cy="973137"/>
-          </a:xfrm>
-          <a:prstGeom prst="rect">
-            <a:avLst/>
-          </a:prstGeom>
+                <a16:creationId xmlns:a16="http://schemas.microsoft.com/office/drawing/2014/main" id="{DC8FA9D8-BC95-FF51-71E7-777CCF721481}"/>
+              </a:ext>
+            </a:extLst>
+          </p:cNvPr>
+          <p:cNvSpPr>
+            <a:spLocks noGrp="1"/>
+          </p:cNvSpPr>
+          <p:nvPr>
+            <p:ph type="title"/>
+          </p:nvPr>
+        </p:nvSpPr>
+        <p:spPr>
+          <a:xfrm>
+            <a:off x="1097280" y="796484"/>
+            <a:ext cx="10058400" cy="973137"/>
+          </a:xfrm>
         </p:spPr>
         <p:txBody>
           <a:bodyPr/>
-          <a:lstStyle>
-            <a:lvl1pPr algn="l" defTabSz="914400" rtl="0" eaLnBrk="1" latinLnBrk="0" hangingPunct="1">
-              <a:lnSpc>
-                <a:spcPct val="90000"/>
-              </a:lnSpc>
-              <a:spcBef>
-                <a:spcPct val="0"/>
-              </a:spcBef>
-              <a:buNone/>
-              <a:defRPr sz="4400" kern="1200" spc="-50" baseline="0">
-                <a:solidFill>
-                  <a:schemeClr val="tx1">
-                    <a:lumMod val="75000"/>
-                    <a:lumOff val="25000"/>
-                  </a:schemeClr>
-                </a:solidFill>
-                <a:latin typeface="+mj-lt"/>
-                <a:ea typeface="+mj-ea"/>
-                <a:cs typeface="+mj-cs"/>
-              </a:defRPr>
-            </a:lvl1pPr>
-          </a:lstStyle>
-          <a:p>
-            <a:r>
-              <a:rPr lang="en-US" sz="4000" b="1" dirty="0" err="1"/>
-              <a:t>Geoapify</a:t>
-            </a:r>
-            <a:endParaRPr lang="en-US" sz="4000" b="1" dirty="0"/>
+          <a:lstStyle/>
+          <a:p>
+            <a:r>
+              <a:rPr lang="en-US" b="1" dirty="0"/>
+              <a:t>Conclusion</a:t>
+            </a:r>
           </a:p>
         </p:txBody>
       </p:sp>
     </p:spTree>
     <p:extLst>
       <p:ext uri="{BB962C8B-B14F-4D97-AF65-F5344CB8AC3E}">
-        <p14:creationId xmlns:p14="http://schemas.microsoft.com/office/powerpoint/2010/main" val="1628325885"/>
+        <p14:creationId xmlns:p14="http://schemas.microsoft.com/office/powerpoint/2010/main" val="2969448605"/>
       </p:ext>
     </p:extLst>
   </p:cSld>
@@ -4824,9 +4847,33 @@
           <a:lstStyle/>
           <a:p>
             <a:r>
-              <a:rPr lang="en-US" dirty="0"/>
+              <a:rPr lang="en-US" dirty="0">
+                <a:hlinkClick r:id="rId2"/>
+              </a:rPr>
               <a:t>https://www.kaggle.com/datasets/csafrit2/maternal-health-risk-data/data</a:t>
             </a:r>
+            <a:endParaRPr lang="en-US" dirty="0"/>
+          </a:p>
+          <a:p>
+            <a:r>
+              <a:rPr lang="en-US" dirty="0">
+                <a:hlinkClick r:id="rId3"/>
+              </a:rPr>
+              <a:t>https://www.medicalnewstoday.com/articles/normal-blood-pressure-pregnancy</a:t>
+            </a:r>
+            <a:endParaRPr lang="en-US" dirty="0"/>
+          </a:p>
+          <a:p>
+            <a:r>
+              <a:rPr lang="en-US" dirty="0">
+                <a:hlinkClick r:id="rId4"/>
+              </a:rPr>
+              <a:t>https://drkumo.com/normal-blood-sugar-levels-chart-for-pregnancy/</a:t>
+            </a:r>
+            <a:endParaRPr lang="en-US" dirty="0"/>
+          </a:p>
+          <a:p>
+            <a:endParaRPr lang="en-US" dirty="0"/>
           </a:p>
         </p:txBody>
       </p:sp>
@@ -5724,7 +5771,7 @@
           <a:p>
             <a:r>
               <a:rPr lang="en-US" sz="1400" dirty="0"/>
-              <a:t>This pie chart depicts the distribution of blood pressure categories and how it breaks down the proportion of a population within each blood pressure range</a:t>
+              <a:t>This pie chart depicts the distribution of blood pressure categories and how it breaks down the proportion of a population within each blood pressure range.</a:t>
             </a:r>
           </a:p>
         </p:txBody>
